--- a/windowndarkmode.pptx
+++ b/windowndarkmode.pptx
@@ -5,10 +5,10 @@
     <p:sldMasterId id="2147483660" r:id="rId1"/>
   </p:sldMasterIdLst>
   <p:notesMasterIdLst>
-    <p:notesMasterId r:id="rId27"/>
+    <p:notesMasterId r:id="rId25"/>
   </p:notesMasterIdLst>
   <p:handoutMasterIdLst>
-    <p:handoutMasterId r:id="rId28"/>
+    <p:handoutMasterId r:id="rId26"/>
   </p:handoutMasterIdLst>
   <p:sldIdLst>
     <p:sldId id="256" r:id="rId2"/>
@@ -27,15 +27,13 @@
     <p:sldId id="297" r:id="rId15"/>
     <p:sldId id="298" r:id="rId16"/>
     <p:sldId id="299" r:id="rId17"/>
-    <p:sldId id="300" r:id="rId18"/>
-    <p:sldId id="301" r:id="rId19"/>
-    <p:sldId id="302" r:id="rId20"/>
-    <p:sldId id="303" r:id="rId21"/>
-    <p:sldId id="304" r:id="rId22"/>
-    <p:sldId id="305" r:id="rId23"/>
-    <p:sldId id="307" r:id="rId24"/>
-    <p:sldId id="308" r:id="rId25"/>
-    <p:sldId id="309" r:id="rId26"/>
+    <p:sldId id="301" r:id="rId18"/>
+    <p:sldId id="302" r:id="rId19"/>
+    <p:sldId id="304" r:id="rId20"/>
+    <p:sldId id="305" r:id="rId21"/>
+    <p:sldId id="307" r:id="rId22"/>
+    <p:sldId id="308" r:id="rId23"/>
+    <p:sldId id="309" r:id="rId24"/>
   </p:sldIdLst>
   <p:sldSz cx="9144000" cy="6858000" type="screen4x3"/>
   <p:notesSz cx="6858000" cy="9144000"/>
@@ -10761,6 +10759,25 @@
               </a:rPr>
             </a:br>
             <a:r>
+              <a:rPr lang="en-US" sz="1000" dirty="0" smtClean="0">
+                <a:solidFill>
+                  <a:srgbClr val="FFFFFF"/>
+                </a:solidFill>
+                <a:latin typeface="돋움" panose="020B0600000101010101" pitchFamily="50" charset="-127"/>
+                <a:ea typeface="돋움" panose="020B0600000101010101" pitchFamily="50" charset="-127"/>
+              </a:rPr>
+              <a:t/>
+            </a:r>
+            <a:br>
+              <a:rPr lang="en-US" sz="1000" dirty="0" smtClean="0">
+                <a:solidFill>
+                  <a:srgbClr val="FFFFFF"/>
+                </a:solidFill>
+                <a:latin typeface="돋움" panose="020B0600000101010101" pitchFamily="50" charset="-127"/>
+                <a:ea typeface="돋움" panose="020B0600000101010101" pitchFamily="50" charset="-127"/>
+              </a:rPr>
+            </a:br>
+            <a:r>
               <a:rPr lang="ko-KR" altLang="en-US" sz="1400" b="1" dirty="0" smtClean="0">
                 <a:solidFill>
                   <a:schemeClr val="bg1">
@@ -12405,7 +12422,7 @@
         </p:blipFill>
         <p:spPr>
           <a:xfrm>
-            <a:off x="545949" y="4727826"/>
+            <a:off x="645251" y="5043915"/>
             <a:ext cx="3790950" cy="695325"/>
           </a:xfrm>
           <a:prstGeom prst="rect">
@@ -14224,8 +14241,8 @@
         </p:nvSpPr>
         <p:spPr>
           <a:xfrm>
-            <a:off x="362222" y="2974623"/>
-            <a:ext cx="4321047" cy="1323439"/>
+            <a:off x="362222" y="2491213"/>
+            <a:ext cx="4321047" cy="2554545"/>
           </a:xfrm>
           <a:prstGeom prst="rect">
             <a:avLst/>
@@ -14248,7 +14265,7 @@
                 <a:latin typeface="돋움" panose="020B0600000101010101" pitchFamily="50" charset="-127"/>
                 <a:ea typeface="돋움" panose="020B0600000101010101" pitchFamily="50" charset="-127"/>
               </a:rPr>
-              <a:t>그림판</a:t>
+              <a:t>한컴</a:t>
             </a:r>
             <a:r>
               <a:rPr lang="ko-KR" altLang="en-US" sz="1600" dirty="0" smtClean="0">
@@ -14260,7 +14277,7 @@
                 <a:latin typeface="돋움" panose="020B0600000101010101" pitchFamily="50" charset="-127"/>
                 <a:ea typeface="돋움" panose="020B0600000101010101" pitchFamily="50" charset="-127"/>
               </a:rPr>
-              <a:t> 기능 구현</a:t>
+              <a:t> 타자연습</a:t>
             </a:r>
             <a:endParaRPr lang="en-US" altLang="ko-KR" sz="1600" dirty="0" smtClean="0">
               <a:solidFill>
@@ -14285,7 +14302,7 @@
           </a:p>
           <a:p>
             <a:r>
-              <a:rPr lang="en-US" altLang="ko-KR" sz="1600" dirty="0" smtClean="0">
+              <a:rPr lang="ko-KR" altLang="en-US" sz="1600" dirty="0" smtClean="0">
                 <a:solidFill>
                   <a:schemeClr val="bg1">
                     <a:lumMod val="95000"/>
@@ -14294,19 +14311,7 @@
                 <a:latin typeface="돋움" panose="020B0600000101010101" pitchFamily="50" charset="-127"/>
                 <a:ea typeface="돋움" panose="020B0600000101010101" pitchFamily="50" charset="-127"/>
               </a:rPr>
-              <a:t>Canvas </a:t>
-            </a:r>
-            <a:r>
-              <a:rPr lang="ko-KR" altLang="en-US" sz="1600" dirty="0" smtClean="0">
-                <a:solidFill>
-                  <a:schemeClr val="bg1">
-                    <a:lumMod val="95000"/>
-                  </a:schemeClr>
-                </a:solidFill>
-                <a:latin typeface="돋움" panose="020B0600000101010101" pitchFamily="50" charset="-127"/>
-                <a:ea typeface="돋움" panose="020B0600000101010101" pitchFamily="50" charset="-127"/>
-              </a:rPr>
-              <a:t>태그를 활용하여</a:t>
+              <a:t>페이지 구현</a:t>
             </a:r>
             <a:endParaRPr lang="en-US" altLang="ko-KR" sz="1600" dirty="0" smtClean="0">
               <a:solidFill>
@@ -14340,7 +14345,7 @@
                 <a:latin typeface="돋움" panose="020B0600000101010101" pitchFamily="50" charset="-127"/>
                 <a:ea typeface="돋움" panose="020B0600000101010101" pitchFamily="50" charset="-127"/>
               </a:rPr>
-              <a:t>그림판</a:t>
+              <a:t>자리연습</a:t>
             </a:r>
             <a:r>
               <a:rPr lang="ko-KR" altLang="en-US" sz="1600" dirty="0" smtClean="0">
@@ -14352,7 +14357,79 @@
                 <a:latin typeface="돋움" panose="020B0600000101010101" pitchFamily="50" charset="-127"/>
                 <a:ea typeface="돋움" panose="020B0600000101010101" pitchFamily="50" charset="-127"/>
               </a:rPr>
-              <a:t> 기능 구현 </a:t>
+              <a:t> </a:t>
+            </a:r>
+            <a:r>
+              <a:rPr lang="ko-KR" altLang="en-US" sz="1600" dirty="0" err="1" smtClean="0">
+                <a:solidFill>
+                  <a:schemeClr val="bg1">
+                    <a:lumMod val="95000"/>
+                  </a:schemeClr>
+                </a:solidFill>
+                <a:latin typeface="돋움" panose="020B0600000101010101" pitchFamily="50" charset="-127"/>
+                <a:ea typeface="돋움" panose="020B0600000101010101" pitchFamily="50" charset="-127"/>
+              </a:rPr>
+              <a:t>글연습</a:t>
+            </a:r>
+            <a:r>
+              <a:rPr lang="ko-KR" altLang="en-US" sz="1600" dirty="0" smtClean="0">
+                <a:solidFill>
+                  <a:schemeClr val="bg1">
+                    <a:lumMod val="95000"/>
+                  </a:schemeClr>
+                </a:solidFill>
+                <a:latin typeface="돋움" panose="020B0600000101010101" pitchFamily="50" charset="-127"/>
+                <a:ea typeface="돋움" panose="020B0600000101010101" pitchFamily="50" charset="-127"/>
+              </a:rPr>
+              <a:t> </a:t>
+            </a:r>
+            <a:r>
+              <a:rPr lang="ko-KR" altLang="en-US" sz="1600" dirty="0" err="1" smtClean="0">
+                <a:solidFill>
+                  <a:schemeClr val="bg1">
+                    <a:lumMod val="95000"/>
+                  </a:schemeClr>
+                </a:solidFill>
+                <a:latin typeface="돋움" panose="020B0600000101010101" pitchFamily="50" charset="-127"/>
+                <a:ea typeface="돋움" panose="020B0600000101010101" pitchFamily="50" charset="-127"/>
+              </a:rPr>
+              <a:t>놀이등</a:t>
+            </a:r>
+            <a:r>
+              <a:rPr lang="ko-KR" altLang="en-US" sz="1600" dirty="0" smtClean="0">
+                <a:solidFill>
+                  <a:schemeClr val="bg1">
+                    <a:lumMod val="95000"/>
+                  </a:schemeClr>
+                </a:solidFill>
+                <a:latin typeface="돋움" panose="020B0600000101010101" pitchFamily="50" charset="-127"/>
+                <a:ea typeface="돋움" panose="020B0600000101010101" pitchFamily="50" charset="-127"/>
+              </a:rPr>
+              <a:t> </a:t>
+            </a:r>
+            <a:r>
+              <a:rPr lang="en-US" altLang="ko-KR" sz="1600" dirty="0" smtClean="0">
+                <a:solidFill>
+                  <a:schemeClr val="bg1">
+                    <a:lumMod val="95000"/>
+                  </a:schemeClr>
+                </a:solidFill>
+                <a:latin typeface="돋움" panose="020B0600000101010101" pitchFamily="50" charset="-127"/>
+                <a:ea typeface="돋움" panose="020B0600000101010101" pitchFamily="50" charset="-127"/>
+              </a:rPr>
+              <a:t>3</a:t>
+            </a:r>
+            <a:r>
+              <a:rPr lang="ko-KR" altLang="en-US" sz="1600" dirty="0" smtClean="0">
+                <a:solidFill>
+                  <a:schemeClr val="bg1">
+                    <a:lumMod val="95000"/>
+                  </a:schemeClr>
+                </a:solidFill>
+                <a:latin typeface="돋움" panose="020B0600000101010101" pitchFamily="50" charset="-127"/>
+                <a:ea typeface="돋움" panose="020B0600000101010101" pitchFamily="50" charset="-127"/>
+              </a:rPr>
+              <a:t>가지</a:t>
             </a:r>
             <a:endParaRPr lang="en-US" altLang="ko-KR" sz="1600" dirty="0" smtClean="0">
               <a:solidFill>
@@ -14364,11 +14441,105 @@
               <a:ea typeface="돋움" panose="020B0600000101010101" pitchFamily="50" charset="-127"/>
             </a:endParaRPr>
           </a:p>
+          <a:p>
+            <a:endParaRPr lang="en-US" altLang="ko-KR" sz="1600" dirty="0">
+              <a:solidFill>
+                <a:schemeClr val="bg1">
+                  <a:lumMod val="95000"/>
+                </a:schemeClr>
+              </a:solidFill>
+              <a:latin typeface="돋움" panose="020B0600000101010101" pitchFamily="50" charset="-127"/>
+              <a:ea typeface="돋움" panose="020B0600000101010101" pitchFamily="50" charset="-127"/>
+            </a:endParaRPr>
+          </a:p>
+          <a:p>
+            <a:r>
+              <a:rPr lang="ko-KR" altLang="en-US" sz="1600" dirty="0" smtClean="0">
+                <a:solidFill>
+                  <a:schemeClr val="bg1">
+                    <a:lumMod val="95000"/>
+                  </a:schemeClr>
+                </a:solidFill>
+                <a:latin typeface="돋움" panose="020B0600000101010101" pitchFamily="50" charset="-127"/>
+                <a:ea typeface="돋움" panose="020B0600000101010101" pitchFamily="50" charset="-127"/>
+              </a:rPr>
+              <a:t>기능 사용가능 </a:t>
+            </a:r>
+            <a:r>
+              <a:rPr lang="en-US" altLang="ko-KR" sz="1600" dirty="0" smtClean="0">
+                <a:solidFill>
+                  <a:schemeClr val="bg1">
+                    <a:lumMod val="95000"/>
+                  </a:schemeClr>
+                </a:solidFill>
+                <a:latin typeface="돋움" panose="020B0600000101010101" pitchFamily="50" charset="-127"/>
+                <a:ea typeface="돋움" panose="020B0600000101010101" pitchFamily="50" charset="-127"/>
+              </a:rPr>
+              <a:t>(1</a:t>
+            </a:r>
+            <a:r>
+              <a:rPr lang="ko-KR" altLang="en-US" sz="1600" dirty="0" smtClean="0">
+                <a:solidFill>
+                  <a:schemeClr val="bg1">
+                    <a:lumMod val="95000"/>
+                  </a:schemeClr>
+                </a:solidFill>
+                <a:latin typeface="돋움" panose="020B0600000101010101" pitchFamily="50" charset="-127"/>
+                <a:ea typeface="돋움" panose="020B0600000101010101" pitchFamily="50" charset="-127"/>
+              </a:rPr>
+              <a:t>회성</a:t>
+            </a:r>
+            <a:r>
+              <a:rPr lang="en-US" altLang="ko-KR" sz="1600" dirty="0" smtClean="0">
+                <a:solidFill>
+                  <a:schemeClr val="bg1">
+                    <a:lumMod val="95000"/>
+                  </a:schemeClr>
+                </a:solidFill>
+                <a:latin typeface="돋움" panose="020B0600000101010101" pitchFamily="50" charset="-127"/>
+                <a:ea typeface="돋움" panose="020B0600000101010101" pitchFamily="50" charset="-127"/>
+              </a:rPr>
+              <a:t>)</a:t>
+            </a:r>
+          </a:p>
+          <a:p>
+            <a:endParaRPr lang="en-US" altLang="ko-KR" sz="1600" dirty="0">
+              <a:solidFill>
+                <a:schemeClr val="bg1">
+                  <a:lumMod val="95000"/>
+                </a:schemeClr>
+              </a:solidFill>
+              <a:latin typeface="돋움" panose="020B0600000101010101" pitchFamily="50" charset="-127"/>
+              <a:ea typeface="돋움" panose="020B0600000101010101" pitchFamily="50" charset="-127"/>
+            </a:endParaRPr>
+          </a:p>
+          <a:p>
+            <a:endParaRPr lang="en-US" altLang="ko-KR" sz="1600" dirty="0" smtClean="0">
+              <a:solidFill>
+                <a:schemeClr val="bg1">
+                  <a:lumMod val="95000"/>
+                </a:schemeClr>
+              </a:solidFill>
+              <a:latin typeface="돋움" panose="020B0600000101010101" pitchFamily="50" charset="-127"/>
+              <a:ea typeface="돋움" panose="020B0600000101010101" pitchFamily="50" charset="-127"/>
+            </a:endParaRPr>
+          </a:p>
+          <a:p>
+            <a:endParaRPr lang="en-US" altLang="ko-KR" sz="1600" dirty="0" smtClean="0">
+              <a:solidFill>
+                <a:schemeClr val="bg1">
+                  <a:lumMod val="95000"/>
+                </a:schemeClr>
+              </a:solidFill>
+              <a:latin typeface="돋움" panose="020B0600000101010101" pitchFamily="50" charset="-127"/>
+              <a:ea typeface="돋움" panose="020B0600000101010101" pitchFamily="50" charset="-127"/>
+            </a:endParaRPr>
+          </a:p>
         </p:txBody>
       </p:sp>
       <p:pic>
         <p:nvPicPr>
-          <p:cNvPr id="4" name="그림 3"/>
+          <p:cNvPr id="2" name="그림 1"/>
           <p:cNvPicPr>
             <a:picLocks noChangeAspect="1"/>
           </p:cNvPicPr>
@@ -14388,38 +14559,8 @@
         </p:blipFill>
         <p:spPr>
           <a:xfrm>
-            <a:off x="3367158" y="1641082"/>
-            <a:ext cx="5112569" cy="3385743"/>
-          </a:xfrm>
-          <a:prstGeom prst="rect">
-            <a:avLst/>
-          </a:prstGeom>
-        </p:spPr>
-      </p:pic>
-      <p:pic>
-        <p:nvPicPr>
-          <p:cNvPr id="6" name="그림 5"/>
-          <p:cNvPicPr>
-            <a:picLocks noChangeAspect="1"/>
-          </p:cNvPicPr>
-          <p:nvPr/>
-        </p:nvPicPr>
-        <p:blipFill>
-          <a:blip r:embed="rId3">
-            <a:extLst>
-              <a:ext uri="{28A0092B-C50C-407E-A947-70E740481C1C}">
-                <a14:useLocalDpi xmlns:a14="http://schemas.microsoft.com/office/drawing/2010/main" val="0"/>
-              </a:ext>
-            </a:extLst>
-          </a:blip>
-          <a:stretch>
-            <a:fillRect/>
-          </a:stretch>
-        </p:blipFill>
-        <p:spPr>
-          <a:xfrm>
-            <a:off x="362222" y="1744310"/>
-            <a:ext cx="666750" cy="885825"/>
+            <a:off x="3324795" y="1588275"/>
+            <a:ext cx="5436165" cy="3675000"/>
           </a:xfrm>
           <a:prstGeom prst="rect">
             <a:avLst/>
@@ -14429,7 +14570,7 @@
     </p:spTree>
     <p:extLst>
       <p:ext uri="{BB962C8B-B14F-4D97-AF65-F5344CB8AC3E}">
-        <p14:creationId xmlns:p14="http://schemas.microsoft.com/office/powerpoint/2010/main" val="3211236562"/>
+        <p14:creationId xmlns:p14="http://schemas.microsoft.com/office/powerpoint/2010/main" val="2066753437"/>
       </p:ext>
     </p:extLst>
   </p:cSld>
@@ -14570,313 +14711,9 @@
           </a:p>
         </p:txBody>
       </p:sp>
-      <p:sp>
-        <p:nvSpPr>
-          <p:cNvPr id="10" name="TextBox 9"/>
-          <p:cNvSpPr txBox="1"/>
-          <p:nvPr/>
-        </p:nvSpPr>
-        <p:spPr>
-          <a:xfrm>
-            <a:off x="362222" y="2491213"/>
-            <a:ext cx="4321047" cy="2554545"/>
-          </a:xfrm>
-          <a:prstGeom prst="rect">
-            <a:avLst/>
-          </a:prstGeom>
-          <a:noFill/>
-        </p:spPr>
-        <p:txBody>
-          <a:bodyPr wrap="square" rtlCol="0">
-            <a:spAutoFit/>
-          </a:bodyPr>
-          <a:lstStyle/>
-          <a:p>
-            <a:r>
-              <a:rPr lang="ko-KR" altLang="en-US" sz="1600" dirty="0" err="1" smtClean="0">
-                <a:solidFill>
-                  <a:schemeClr val="bg1">
-                    <a:lumMod val="95000"/>
-                  </a:schemeClr>
-                </a:solidFill>
-                <a:latin typeface="돋움" panose="020B0600000101010101" pitchFamily="50" charset="-127"/>
-                <a:ea typeface="돋움" panose="020B0600000101010101" pitchFamily="50" charset="-127"/>
-              </a:rPr>
-              <a:t>한컴</a:t>
-            </a:r>
-            <a:r>
-              <a:rPr lang="ko-KR" altLang="en-US" sz="1600" dirty="0" smtClean="0">
-                <a:solidFill>
-                  <a:schemeClr val="bg1">
-                    <a:lumMod val="95000"/>
-                  </a:schemeClr>
-                </a:solidFill>
-                <a:latin typeface="돋움" panose="020B0600000101010101" pitchFamily="50" charset="-127"/>
-                <a:ea typeface="돋움" panose="020B0600000101010101" pitchFamily="50" charset="-127"/>
-              </a:rPr>
-              <a:t> 타자연습</a:t>
-            </a:r>
-            <a:endParaRPr lang="en-US" altLang="ko-KR" sz="1600" dirty="0" smtClean="0">
-              <a:solidFill>
-                <a:schemeClr val="bg1">
-                  <a:lumMod val="95000"/>
-                </a:schemeClr>
-              </a:solidFill>
-              <a:latin typeface="돋움" panose="020B0600000101010101" pitchFamily="50" charset="-127"/>
-              <a:ea typeface="돋움" panose="020B0600000101010101" pitchFamily="50" charset="-127"/>
-            </a:endParaRPr>
-          </a:p>
-          <a:p>
-            <a:endParaRPr lang="en-US" altLang="ko-KR" sz="1600" dirty="0">
-              <a:solidFill>
-                <a:schemeClr val="bg1">
-                  <a:lumMod val="95000"/>
-                </a:schemeClr>
-              </a:solidFill>
-              <a:latin typeface="돋움" panose="020B0600000101010101" pitchFamily="50" charset="-127"/>
-              <a:ea typeface="돋움" panose="020B0600000101010101" pitchFamily="50" charset="-127"/>
-            </a:endParaRPr>
-          </a:p>
-          <a:p>
-            <a:r>
-              <a:rPr lang="ko-KR" altLang="en-US" sz="1600" dirty="0" smtClean="0">
-                <a:solidFill>
-                  <a:schemeClr val="bg1">
-                    <a:lumMod val="95000"/>
-                  </a:schemeClr>
-                </a:solidFill>
-                <a:latin typeface="돋움" panose="020B0600000101010101" pitchFamily="50" charset="-127"/>
-                <a:ea typeface="돋움" panose="020B0600000101010101" pitchFamily="50" charset="-127"/>
-              </a:rPr>
-              <a:t>페이지 구현</a:t>
-            </a:r>
-            <a:endParaRPr lang="en-US" altLang="ko-KR" sz="1600" dirty="0" smtClean="0">
-              <a:solidFill>
-                <a:schemeClr val="bg1">
-                  <a:lumMod val="95000"/>
-                </a:schemeClr>
-              </a:solidFill>
-              <a:latin typeface="돋움" panose="020B0600000101010101" pitchFamily="50" charset="-127"/>
-              <a:ea typeface="돋움" panose="020B0600000101010101" pitchFamily="50" charset="-127"/>
-            </a:endParaRPr>
-          </a:p>
-          <a:p>
-            <a:endParaRPr lang="en-US" altLang="ko-KR" sz="1600" dirty="0">
-              <a:solidFill>
-                <a:schemeClr val="bg1">
-                  <a:lumMod val="95000"/>
-                </a:schemeClr>
-              </a:solidFill>
-              <a:latin typeface="돋움" panose="020B0600000101010101" pitchFamily="50" charset="-127"/>
-              <a:ea typeface="돋움" panose="020B0600000101010101" pitchFamily="50" charset="-127"/>
-            </a:endParaRPr>
-          </a:p>
-          <a:p>
-            <a:r>
-              <a:rPr lang="ko-KR" altLang="en-US" sz="1600" dirty="0" err="1" smtClean="0">
-                <a:solidFill>
-                  <a:schemeClr val="bg1">
-                    <a:lumMod val="95000"/>
-                  </a:schemeClr>
-                </a:solidFill>
-                <a:latin typeface="돋움" panose="020B0600000101010101" pitchFamily="50" charset="-127"/>
-                <a:ea typeface="돋움" panose="020B0600000101010101" pitchFamily="50" charset="-127"/>
-              </a:rPr>
-              <a:t>자리연습</a:t>
-            </a:r>
-            <a:r>
-              <a:rPr lang="ko-KR" altLang="en-US" sz="1600" dirty="0" smtClean="0">
-                <a:solidFill>
-                  <a:schemeClr val="bg1">
-                    <a:lumMod val="95000"/>
-                  </a:schemeClr>
-                </a:solidFill>
-                <a:latin typeface="돋움" panose="020B0600000101010101" pitchFamily="50" charset="-127"/>
-                <a:ea typeface="돋움" panose="020B0600000101010101" pitchFamily="50" charset="-127"/>
-              </a:rPr>
-              <a:t> </a:t>
-            </a:r>
-            <a:r>
-              <a:rPr lang="ko-KR" altLang="en-US" sz="1600" dirty="0" err="1" smtClean="0">
-                <a:solidFill>
-                  <a:schemeClr val="bg1">
-                    <a:lumMod val="95000"/>
-                  </a:schemeClr>
-                </a:solidFill>
-                <a:latin typeface="돋움" panose="020B0600000101010101" pitchFamily="50" charset="-127"/>
-                <a:ea typeface="돋움" panose="020B0600000101010101" pitchFamily="50" charset="-127"/>
-              </a:rPr>
-              <a:t>글연습</a:t>
-            </a:r>
-            <a:r>
-              <a:rPr lang="ko-KR" altLang="en-US" sz="1600" dirty="0" smtClean="0">
-                <a:solidFill>
-                  <a:schemeClr val="bg1">
-                    <a:lumMod val="95000"/>
-                  </a:schemeClr>
-                </a:solidFill>
-                <a:latin typeface="돋움" panose="020B0600000101010101" pitchFamily="50" charset="-127"/>
-                <a:ea typeface="돋움" panose="020B0600000101010101" pitchFamily="50" charset="-127"/>
-              </a:rPr>
-              <a:t> </a:t>
-            </a:r>
-            <a:r>
-              <a:rPr lang="ko-KR" altLang="en-US" sz="1600" dirty="0" err="1" smtClean="0">
-                <a:solidFill>
-                  <a:schemeClr val="bg1">
-                    <a:lumMod val="95000"/>
-                  </a:schemeClr>
-                </a:solidFill>
-                <a:latin typeface="돋움" panose="020B0600000101010101" pitchFamily="50" charset="-127"/>
-                <a:ea typeface="돋움" panose="020B0600000101010101" pitchFamily="50" charset="-127"/>
-              </a:rPr>
-              <a:t>놀이등</a:t>
-            </a:r>
-            <a:r>
-              <a:rPr lang="ko-KR" altLang="en-US" sz="1600" dirty="0" smtClean="0">
-                <a:solidFill>
-                  <a:schemeClr val="bg1">
-                    <a:lumMod val="95000"/>
-                  </a:schemeClr>
-                </a:solidFill>
-                <a:latin typeface="돋움" panose="020B0600000101010101" pitchFamily="50" charset="-127"/>
-                <a:ea typeface="돋움" panose="020B0600000101010101" pitchFamily="50" charset="-127"/>
-              </a:rPr>
-              <a:t> </a:t>
-            </a:r>
-            <a:r>
-              <a:rPr lang="en-US" altLang="ko-KR" sz="1600" dirty="0" smtClean="0">
-                <a:solidFill>
-                  <a:schemeClr val="bg1">
-                    <a:lumMod val="95000"/>
-                  </a:schemeClr>
-                </a:solidFill>
-                <a:latin typeface="돋움" panose="020B0600000101010101" pitchFamily="50" charset="-127"/>
-                <a:ea typeface="돋움" panose="020B0600000101010101" pitchFamily="50" charset="-127"/>
-              </a:rPr>
-              <a:t>3</a:t>
-            </a:r>
-            <a:r>
-              <a:rPr lang="ko-KR" altLang="en-US" sz="1600" dirty="0" smtClean="0">
-                <a:solidFill>
-                  <a:schemeClr val="bg1">
-                    <a:lumMod val="95000"/>
-                  </a:schemeClr>
-                </a:solidFill>
-                <a:latin typeface="돋움" panose="020B0600000101010101" pitchFamily="50" charset="-127"/>
-                <a:ea typeface="돋움" panose="020B0600000101010101" pitchFamily="50" charset="-127"/>
-              </a:rPr>
-              <a:t>가지</a:t>
-            </a:r>
-            <a:endParaRPr lang="en-US" altLang="ko-KR" sz="1600" dirty="0" smtClean="0">
-              <a:solidFill>
-                <a:schemeClr val="bg1">
-                  <a:lumMod val="95000"/>
-                </a:schemeClr>
-              </a:solidFill>
-              <a:latin typeface="돋움" panose="020B0600000101010101" pitchFamily="50" charset="-127"/>
-              <a:ea typeface="돋움" panose="020B0600000101010101" pitchFamily="50" charset="-127"/>
-            </a:endParaRPr>
-          </a:p>
-          <a:p>
-            <a:endParaRPr lang="en-US" altLang="ko-KR" sz="1600" dirty="0">
-              <a:solidFill>
-                <a:schemeClr val="bg1">
-                  <a:lumMod val="95000"/>
-                </a:schemeClr>
-              </a:solidFill>
-              <a:latin typeface="돋움" panose="020B0600000101010101" pitchFamily="50" charset="-127"/>
-              <a:ea typeface="돋움" panose="020B0600000101010101" pitchFamily="50" charset="-127"/>
-            </a:endParaRPr>
-          </a:p>
-          <a:p>
-            <a:r>
-              <a:rPr lang="ko-KR" altLang="en-US" sz="1600" dirty="0" smtClean="0">
-                <a:solidFill>
-                  <a:schemeClr val="bg1">
-                    <a:lumMod val="95000"/>
-                  </a:schemeClr>
-                </a:solidFill>
-                <a:latin typeface="돋움" panose="020B0600000101010101" pitchFamily="50" charset="-127"/>
-                <a:ea typeface="돋움" panose="020B0600000101010101" pitchFamily="50" charset="-127"/>
-              </a:rPr>
-              <a:t>기능 사용가능 </a:t>
-            </a:r>
-            <a:r>
-              <a:rPr lang="en-US" altLang="ko-KR" sz="1600" dirty="0" smtClean="0">
-                <a:solidFill>
-                  <a:schemeClr val="bg1">
-                    <a:lumMod val="95000"/>
-                  </a:schemeClr>
-                </a:solidFill>
-                <a:latin typeface="돋움" panose="020B0600000101010101" pitchFamily="50" charset="-127"/>
-                <a:ea typeface="돋움" panose="020B0600000101010101" pitchFamily="50" charset="-127"/>
-              </a:rPr>
-              <a:t>(1</a:t>
-            </a:r>
-            <a:r>
-              <a:rPr lang="ko-KR" altLang="en-US" sz="1600" dirty="0" smtClean="0">
-                <a:solidFill>
-                  <a:schemeClr val="bg1">
-                    <a:lumMod val="95000"/>
-                  </a:schemeClr>
-                </a:solidFill>
-                <a:latin typeface="돋움" panose="020B0600000101010101" pitchFamily="50" charset="-127"/>
-                <a:ea typeface="돋움" panose="020B0600000101010101" pitchFamily="50" charset="-127"/>
-              </a:rPr>
-              <a:t>회성</a:t>
-            </a:r>
-            <a:r>
-              <a:rPr lang="en-US" altLang="ko-KR" sz="1600" dirty="0" smtClean="0">
-                <a:solidFill>
-                  <a:schemeClr val="bg1">
-                    <a:lumMod val="95000"/>
-                  </a:schemeClr>
-                </a:solidFill>
-                <a:latin typeface="돋움" panose="020B0600000101010101" pitchFamily="50" charset="-127"/>
-                <a:ea typeface="돋움" panose="020B0600000101010101" pitchFamily="50" charset="-127"/>
-              </a:rPr>
-              <a:t>)</a:t>
-            </a:r>
-          </a:p>
-          <a:p>
-            <a:endParaRPr lang="en-US" altLang="ko-KR" sz="1600" dirty="0">
-              <a:solidFill>
-                <a:schemeClr val="bg1">
-                  <a:lumMod val="95000"/>
-                </a:schemeClr>
-              </a:solidFill>
-              <a:latin typeface="돋움" panose="020B0600000101010101" pitchFamily="50" charset="-127"/>
-              <a:ea typeface="돋움" panose="020B0600000101010101" pitchFamily="50" charset="-127"/>
-            </a:endParaRPr>
-          </a:p>
-          <a:p>
-            <a:endParaRPr lang="en-US" altLang="ko-KR" sz="1600" dirty="0" smtClean="0">
-              <a:solidFill>
-                <a:schemeClr val="bg1">
-                  <a:lumMod val="95000"/>
-                </a:schemeClr>
-              </a:solidFill>
-              <a:latin typeface="돋움" panose="020B0600000101010101" pitchFamily="50" charset="-127"/>
-              <a:ea typeface="돋움" panose="020B0600000101010101" pitchFamily="50" charset="-127"/>
-            </a:endParaRPr>
-          </a:p>
-          <a:p>
-            <a:endParaRPr lang="en-US" altLang="ko-KR" sz="1600" dirty="0" smtClean="0">
-              <a:solidFill>
-                <a:schemeClr val="bg1">
-                  <a:lumMod val="95000"/>
-                </a:schemeClr>
-              </a:solidFill>
-              <a:latin typeface="돋움" panose="020B0600000101010101" pitchFamily="50" charset="-127"/>
-              <a:ea typeface="돋움" panose="020B0600000101010101" pitchFamily="50" charset="-127"/>
-            </a:endParaRPr>
-          </a:p>
-        </p:txBody>
-      </p:sp>
       <p:pic>
         <p:nvPicPr>
-          <p:cNvPr id="2" name="그림 1"/>
+          <p:cNvPr id="3" name="그림 2"/>
           <p:cNvPicPr>
             <a:picLocks noChangeAspect="1"/>
           </p:cNvPicPr>
@@ -14896,18 +14733,200 @@
         </p:blipFill>
         <p:spPr>
           <a:xfrm>
-            <a:off x="3324795" y="1588275"/>
-            <a:ext cx="5436165" cy="3675000"/>
+            <a:off x="5190143" y="2268122"/>
+            <a:ext cx="3333750" cy="3181350"/>
           </a:xfrm>
           <a:prstGeom prst="rect">
             <a:avLst/>
           </a:prstGeom>
         </p:spPr>
       </p:pic>
+      <p:sp>
+        <p:nvSpPr>
+          <p:cNvPr id="11" name="TextBox 10"/>
+          <p:cNvSpPr txBox="1"/>
+          <p:nvPr/>
+        </p:nvSpPr>
+        <p:spPr>
+          <a:xfrm>
+            <a:off x="401391" y="2897613"/>
+            <a:ext cx="4321047" cy="2308324"/>
+          </a:xfrm>
+          <a:prstGeom prst="rect">
+            <a:avLst/>
+          </a:prstGeom>
+          <a:noFill/>
+        </p:spPr>
+        <p:txBody>
+          <a:bodyPr wrap="square" rtlCol="0">
+            <a:spAutoFit/>
+          </a:bodyPr>
+          <a:lstStyle/>
+          <a:p>
+            <a:r>
+              <a:rPr lang="ko-KR" altLang="en-US" sz="1600" dirty="0" smtClean="0">
+                <a:solidFill>
+                  <a:schemeClr val="bg1">
+                    <a:lumMod val="95000"/>
+                  </a:schemeClr>
+                </a:solidFill>
+                <a:latin typeface="돋움" panose="020B0600000101010101" pitchFamily="50" charset="-127"/>
+                <a:ea typeface="돋움" panose="020B0600000101010101" pitchFamily="50" charset="-127"/>
+              </a:rPr>
+              <a:t>계산기 구현</a:t>
+            </a:r>
+            <a:endParaRPr lang="en-US" altLang="ko-KR" sz="1600" dirty="0" smtClean="0">
+              <a:solidFill>
+                <a:schemeClr val="bg1">
+                  <a:lumMod val="95000"/>
+                </a:schemeClr>
+              </a:solidFill>
+              <a:latin typeface="돋움" panose="020B0600000101010101" pitchFamily="50" charset="-127"/>
+              <a:ea typeface="돋움" panose="020B0600000101010101" pitchFamily="50" charset="-127"/>
+            </a:endParaRPr>
+          </a:p>
+          <a:p>
+            <a:endParaRPr lang="en-US" altLang="ko-KR" sz="1600" dirty="0">
+              <a:solidFill>
+                <a:schemeClr val="bg1">
+                  <a:lumMod val="95000"/>
+                </a:schemeClr>
+              </a:solidFill>
+              <a:latin typeface="돋움" panose="020B0600000101010101" pitchFamily="50" charset="-127"/>
+              <a:ea typeface="돋움" panose="020B0600000101010101" pitchFamily="50" charset="-127"/>
+            </a:endParaRPr>
+          </a:p>
+          <a:p>
+            <a:r>
+              <a:rPr lang="ko-KR" altLang="en-US" sz="1600" dirty="0" smtClean="0">
+                <a:solidFill>
+                  <a:schemeClr val="bg1">
+                    <a:lumMod val="95000"/>
+                  </a:schemeClr>
+                </a:solidFill>
+                <a:latin typeface="돋움" panose="020B0600000101010101" pitchFamily="50" charset="-127"/>
+                <a:ea typeface="돋움" panose="020B0600000101010101" pitchFamily="50" charset="-127"/>
+              </a:rPr>
+              <a:t>몇몇 버튼 기능은 미구현상태이나</a:t>
+            </a:r>
+            <a:endParaRPr lang="en-US" altLang="ko-KR" sz="1600" dirty="0" smtClean="0">
+              <a:solidFill>
+                <a:schemeClr val="bg1">
+                  <a:lumMod val="95000"/>
+                </a:schemeClr>
+              </a:solidFill>
+              <a:latin typeface="돋움" panose="020B0600000101010101" pitchFamily="50" charset="-127"/>
+              <a:ea typeface="돋움" panose="020B0600000101010101" pitchFamily="50" charset="-127"/>
+            </a:endParaRPr>
+          </a:p>
+          <a:p>
+            <a:endParaRPr lang="en-US" altLang="ko-KR" sz="1600" dirty="0">
+              <a:solidFill>
+                <a:schemeClr val="bg1">
+                  <a:lumMod val="95000"/>
+                </a:schemeClr>
+              </a:solidFill>
+              <a:latin typeface="돋움" panose="020B0600000101010101" pitchFamily="50" charset="-127"/>
+              <a:ea typeface="돋움" panose="020B0600000101010101" pitchFamily="50" charset="-127"/>
+            </a:endParaRPr>
+          </a:p>
+          <a:p>
+            <a:r>
+              <a:rPr lang="ko-KR" altLang="en-US" sz="1600" dirty="0" smtClean="0">
+                <a:solidFill>
+                  <a:schemeClr val="bg1">
+                    <a:lumMod val="95000"/>
+                  </a:schemeClr>
+                </a:solidFill>
+                <a:latin typeface="돋움" panose="020B0600000101010101" pitchFamily="50" charset="-127"/>
+                <a:ea typeface="돋움" panose="020B0600000101010101" pitchFamily="50" charset="-127"/>
+              </a:rPr>
+              <a:t>간단한 덧셈 정도는 구현하였음</a:t>
+            </a:r>
+            <a:endParaRPr lang="en-US" altLang="ko-KR" sz="1600" dirty="0" smtClean="0">
+              <a:solidFill>
+                <a:schemeClr val="bg1">
+                  <a:lumMod val="95000"/>
+                </a:schemeClr>
+              </a:solidFill>
+              <a:latin typeface="돋움" panose="020B0600000101010101" pitchFamily="50" charset="-127"/>
+              <a:ea typeface="돋움" panose="020B0600000101010101" pitchFamily="50" charset="-127"/>
+            </a:endParaRPr>
+          </a:p>
+          <a:p>
+            <a:endParaRPr lang="en-US" altLang="ko-KR" sz="1600" dirty="0">
+              <a:solidFill>
+                <a:schemeClr val="bg1">
+                  <a:lumMod val="95000"/>
+                </a:schemeClr>
+              </a:solidFill>
+              <a:latin typeface="돋움" panose="020B0600000101010101" pitchFamily="50" charset="-127"/>
+              <a:ea typeface="돋움" panose="020B0600000101010101" pitchFamily="50" charset="-127"/>
+            </a:endParaRPr>
+          </a:p>
+          <a:p>
+            <a:r>
+              <a:rPr lang="en-US" altLang="ko-KR" sz="1600" dirty="0" smtClean="0">
+                <a:solidFill>
+                  <a:schemeClr val="bg1">
+                    <a:lumMod val="95000"/>
+                  </a:schemeClr>
+                </a:solidFill>
+                <a:latin typeface="돋움" panose="020B0600000101010101" pitchFamily="50" charset="-127"/>
+                <a:ea typeface="돋움" panose="020B0600000101010101" pitchFamily="50" charset="-127"/>
+              </a:rPr>
+              <a:t>Switch</a:t>
+            </a:r>
+            <a:r>
+              <a:rPr lang="ko-KR" altLang="en-US" sz="1600" dirty="0" smtClean="0">
+                <a:solidFill>
+                  <a:schemeClr val="bg1">
+                    <a:lumMod val="95000"/>
+                  </a:schemeClr>
+                </a:solidFill>
+                <a:latin typeface="돋움" panose="020B0600000101010101" pitchFamily="50" charset="-127"/>
+                <a:ea typeface="돋움" panose="020B0600000101010101" pitchFamily="50" charset="-127"/>
+              </a:rPr>
+              <a:t>문을 사용해서 제작함</a:t>
+            </a:r>
+            <a:endParaRPr lang="en-US" altLang="ko-KR" sz="1600" dirty="0">
+              <a:solidFill>
+                <a:schemeClr val="bg1">
+                  <a:lumMod val="95000"/>
+                </a:schemeClr>
+              </a:solidFill>
+              <a:latin typeface="돋움" panose="020B0600000101010101" pitchFamily="50" charset="-127"/>
+              <a:ea typeface="돋움" panose="020B0600000101010101" pitchFamily="50" charset="-127"/>
+            </a:endParaRPr>
+          </a:p>
+          <a:p>
+            <a:endParaRPr lang="en-US" altLang="ko-KR" sz="1600" dirty="0" smtClean="0">
+              <a:solidFill>
+                <a:schemeClr val="bg1">
+                  <a:lumMod val="95000"/>
+                </a:schemeClr>
+              </a:solidFill>
+              <a:latin typeface="돋움" panose="020B0600000101010101" pitchFamily="50" charset="-127"/>
+              <a:ea typeface="돋움" panose="020B0600000101010101" pitchFamily="50" charset="-127"/>
+            </a:endParaRPr>
+          </a:p>
+          <a:p>
+            <a:endParaRPr lang="en-US" altLang="ko-KR" sz="1600" dirty="0" smtClean="0">
+              <a:solidFill>
+                <a:schemeClr val="bg1">
+                  <a:lumMod val="95000"/>
+                </a:schemeClr>
+              </a:solidFill>
+              <a:latin typeface="돋움" panose="020B0600000101010101" pitchFamily="50" charset="-127"/>
+              <a:ea typeface="돋움" panose="020B0600000101010101" pitchFamily="50" charset="-127"/>
+            </a:endParaRPr>
+          </a:p>
+        </p:txBody>
+      </p:sp>
     </p:spTree>
     <p:extLst>
       <p:ext uri="{BB962C8B-B14F-4D97-AF65-F5344CB8AC3E}">
-        <p14:creationId xmlns:p14="http://schemas.microsoft.com/office/powerpoint/2010/main" val="2066753437"/>
+        <p14:creationId xmlns:p14="http://schemas.microsoft.com/office/powerpoint/2010/main" val="1000639333"/>
       </p:ext>
     </p:extLst>
   </p:cSld>
@@ -15048,9 +15067,245 @@
           </a:p>
         </p:txBody>
       </p:sp>
+      <p:sp>
+        <p:nvSpPr>
+          <p:cNvPr id="11" name="TextBox 10"/>
+          <p:cNvSpPr txBox="1"/>
+          <p:nvPr/>
+        </p:nvSpPr>
+        <p:spPr>
+          <a:xfrm>
+            <a:off x="362222" y="2649257"/>
+            <a:ext cx="4321047" cy="2308324"/>
+          </a:xfrm>
+          <a:prstGeom prst="rect">
+            <a:avLst/>
+          </a:prstGeom>
+          <a:noFill/>
+        </p:spPr>
+        <p:txBody>
+          <a:bodyPr wrap="square" rtlCol="0">
+            <a:spAutoFit/>
+          </a:bodyPr>
+          <a:lstStyle/>
+          <a:p>
+            <a:r>
+              <a:rPr lang="ko-KR" altLang="en-US" sz="1600" dirty="0" smtClean="0">
+                <a:solidFill>
+                  <a:schemeClr val="bg1">
+                    <a:lumMod val="95000"/>
+                  </a:schemeClr>
+                </a:solidFill>
+                <a:latin typeface="돋움" panose="020B0600000101010101" pitchFamily="50" charset="-127"/>
+                <a:ea typeface="돋움" panose="020B0600000101010101" pitchFamily="50" charset="-127"/>
+              </a:rPr>
+              <a:t>실행  </a:t>
+            </a:r>
+            <a:r>
+              <a:rPr lang="en-US" altLang="ko-KR" sz="1600" dirty="0" err="1" smtClean="0">
+                <a:solidFill>
+                  <a:schemeClr val="bg1">
+                    <a:lumMod val="95000"/>
+                  </a:schemeClr>
+                </a:solidFill>
+                <a:latin typeface="돋움" panose="020B0600000101010101" pitchFamily="50" charset="-127"/>
+                <a:ea typeface="돋움" panose="020B0600000101010101" pitchFamily="50" charset="-127"/>
+              </a:rPr>
+              <a:t>cmd</a:t>
+            </a:r>
+            <a:r>
+              <a:rPr lang="en-US" altLang="ko-KR" sz="1600" dirty="0" smtClean="0">
+                <a:solidFill>
+                  <a:schemeClr val="bg1">
+                    <a:lumMod val="95000"/>
+                  </a:schemeClr>
+                </a:solidFill>
+                <a:latin typeface="돋움" panose="020B0600000101010101" pitchFamily="50" charset="-127"/>
+                <a:ea typeface="돋움" panose="020B0600000101010101" pitchFamily="50" charset="-127"/>
+              </a:rPr>
+              <a:t> </a:t>
+            </a:r>
+            <a:r>
+              <a:rPr lang="ko-KR" altLang="en-US" sz="1600" dirty="0" smtClean="0">
+                <a:solidFill>
+                  <a:schemeClr val="bg1">
+                    <a:lumMod val="95000"/>
+                  </a:schemeClr>
+                </a:solidFill>
+                <a:latin typeface="돋움" panose="020B0600000101010101" pitchFamily="50" charset="-127"/>
+                <a:ea typeface="돋움" panose="020B0600000101010101" pitchFamily="50" charset="-127"/>
+              </a:rPr>
+              <a:t>화면 구현</a:t>
+            </a:r>
+            <a:endParaRPr lang="en-US" altLang="ko-KR" sz="1600" dirty="0" smtClean="0">
+              <a:solidFill>
+                <a:schemeClr val="bg1">
+                  <a:lumMod val="95000"/>
+                </a:schemeClr>
+              </a:solidFill>
+              <a:latin typeface="돋움" panose="020B0600000101010101" pitchFamily="50" charset="-127"/>
+              <a:ea typeface="돋움" panose="020B0600000101010101" pitchFamily="50" charset="-127"/>
+            </a:endParaRPr>
+          </a:p>
+          <a:p>
+            <a:endParaRPr lang="en-US" altLang="ko-KR" sz="1600" dirty="0">
+              <a:solidFill>
+                <a:schemeClr val="bg1">
+                  <a:lumMod val="95000"/>
+                </a:schemeClr>
+              </a:solidFill>
+              <a:latin typeface="돋움" panose="020B0600000101010101" pitchFamily="50" charset="-127"/>
+              <a:ea typeface="돋움" panose="020B0600000101010101" pitchFamily="50" charset="-127"/>
+            </a:endParaRPr>
+          </a:p>
+          <a:p>
+            <a:r>
+              <a:rPr lang="ko-KR" altLang="en-US" sz="1600" dirty="0" smtClean="0">
+                <a:solidFill>
+                  <a:schemeClr val="bg1">
+                    <a:lumMod val="95000"/>
+                  </a:schemeClr>
+                </a:solidFill>
+                <a:latin typeface="돋움" panose="020B0600000101010101" pitchFamily="50" charset="-127"/>
+                <a:ea typeface="돋움" panose="020B0600000101010101" pitchFamily="50" charset="-127"/>
+              </a:rPr>
+              <a:t>간단한 명령어 사용가능</a:t>
+            </a:r>
+            <a:endParaRPr lang="en-US" altLang="ko-KR" sz="1600" dirty="0" smtClean="0">
+              <a:solidFill>
+                <a:schemeClr val="bg1">
+                  <a:lumMod val="95000"/>
+                </a:schemeClr>
+              </a:solidFill>
+              <a:latin typeface="돋움" panose="020B0600000101010101" pitchFamily="50" charset="-127"/>
+              <a:ea typeface="돋움" panose="020B0600000101010101" pitchFamily="50" charset="-127"/>
+            </a:endParaRPr>
+          </a:p>
+          <a:p>
+            <a:endParaRPr lang="en-US" altLang="ko-KR" sz="1600" dirty="0">
+              <a:solidFill>
+                <a:schemeClr val="bg1">
+                  <a:lumMod val="95000"/>
+                </a:schemeClr>
+              </a:solidFill>
+              <a:latin typeface="돋움" panose="020B0600000101010101" pitchFamily="50" charset="-127"/>
+              <a:ea typeface="돋움" panose="020B0600000101010101" pitchFamily="50" charset="-127"/>
+            </a:endParaRPr>
+          </a:p>
+          <a:p>
+            <a:r>
+              <a:rPr lang="en-US" altLang="ko-KR" sz="1600" dirty="0" smtClean="0">
+                <a:solidFill>
+                  <a:schemeClr val="bg1">
+                    <a:lumMod val="95000"/>
+                  </a:schemeClr>
+                </a:solidFill>
+                <a:latin typeface="돋움" panose="020B0600000101010101" pitchFamily="50" charset="-127"/>
+                <a:ea typeface="돋움" panose="020B0600000101010101" pitchFamily="50" charset="-127"/>
+              </a:rPr>
+              <a:t>Cd..  </a:t>
+            </a:r>
+            <a:r>
+              <a:rPr lang="en-US" altLang="ko-KR" sz="1600" dirty="0">
+                <a:solidFill>
+                  <a:schemeClr val="bg1">
+                    <a:lumMod val="95000"/>
+                  </a:schemeClr>
+                </a:solidFill>
+                <a:latin typeface="돋움" panose="020B0600000101010101" pitchFamily="50" charset="-127"/>
+                <a:ea typeface="돋움" panose="020B0600000101010101" pitchFamily="50" charset="-127"/>
+              </a:rPr>
+              <a:t> </a:t>
+            </a:r>
+            <a:r>
+              <a:rPr lang="en-US" altLang="ko-KR" sz="1600" dirty="0" smtClean="0">
+                <a:solidFill>
+                  <a:schemeClr val="bg1">
+                    <a:lumMod val="95000"/>
+                  </a:schemeClr>
+                </a:solidFill>
+                <a:latin typeface="돋움" panose="020B0600000101010101" pitchFamily="50" charset="-127"/>
+                <a:ea typeface="돋움" panose="020B0600000101010101" pitchFamily="50" charset="-127"/>
+              </a:rPr>
+              <a:t> Dir    cd html </a:t>
+            </a:r>
+          </a:p>
+          <a:p>
+            <a:endParaRPr lang="en-US" altLang="ko-KR" sz="1600" dirty="0">
+              <a:solidFill>
+                <a:schemeClr val="bg1">
+                  <a:lumMod val="95000"/>
+                </a:schemeClr>
+              </a:solidFill>
+              <a:latin typeface="돋움" panose="020B0600000101010101" pitchFamily="50" charset="-127"/>
+              <a:ea typeface="돋움" panose="020B0600000101010101" pitchFamily="50" charset="-127"/>
+            </a:endParaRPr>
+          </a:p>
+          <a:p>
+            <a:r>
+              <a:rPr lang="en-US" altLang="ko-KR" sz="1600" dirty="0" smtClean="0">
+                <a:solidFill>
+                  <a:schemeClr val="bg1">
+                    <a:lumMod val="95000"/>
+                  </a:schemeClr>
+                </a:solidFill>
+                <a:latin typeface="돋움" panose="020B0600000101010101" pitchFamily="50" charset="-127"/>
+                <a:ea typeface="돋움" panose="020B0600000101010101" pitchFamily="50" charset="-127"/>
+              </a:rPr>
+              <a:t>Cd html.exe </a:t>
+            </a:r>
+          </a:p>
+          <a:p>
+            <a:endParaRPr lang="en-US" altLang="ko-KR" sz="1600" dirty="0">
+              <a:solidFill>
+                <a:schemeClr val="bg1">
+                  <a:lumMod val="95000"/>
+                </a:schemeClr>
+              </a:solidFill>
+              <a:latin typeface="돋움" panose="020B0600000101010101" pitchFamily="50" charset="-127"/>
+              <a:ea typeface="돋움" panose="020B0600000101010101" pitchFamily="50" charset="-127"/>
+            </a:endParaRPr>
+          </a:p>
+          <a:p>
+            <a:r>
+              <a:rPr lang="en-US" altLang="ko-KR" sz="1600" dirty="0" smtClean="0">
+                <a:solidFill>
+                  <a:schemeClr val="bg1">
+                    <a:lumMod val="95000"/>
+                  </a:schemeClr>
+                </a:solidFill>
+                <a:latin typeface="돋움" panose="020B0600000101010101" pitchFamily="50" charset="-127"/>
+                <a:ea typeface="돋움" panose="020B0600000101010101" pitchFamily="50" charset="-127"/>
+              </a:rPr>
+              <a:t>Ipconfig </a:t>
+            </a:r>
+            <a:r>
+              <a:rPr lang="ko-KR" altLang="en-US" sz="1600" dirty="0" smtClean="0">
+                <a:solidFill>
+                  <a:schemeClr val="bg1">
+                    <a:lumMod val="95000"/>
+                  </a:schemeClr>
+                </a:solidFill>
+                <a:latin typeface="돋움" panose="020B0600000101010101" pitchFamily="50" charset="-127"/>
+                <a:ea typeface="돋움" panose="020B0600000101010101" pitchFamily="50" charset="-127"/>
+              </a:rPr>
+              <a:t>등등 입력이 가능함</a:t>
+            </a:r>
+            <a:endParaRPr lang="en-US" altLang="ko-KR" sz="1600" dirty="0" smtClean="0">
+              <a:solidFill>
+                <a:schemeClr val="bg1">
+                  <a:lumMod val="95000"/>
+                </a:schemeClr>
+              </a:solidFill>
+              <a:latin typeface="돋움" panose="020B0600000101010101" pitchFamily="50" charset="-127"/>
+              <a:ea typeface="돋움" panose="020B0600000101010101" pitchFamily="50" charset="-127"/>
+            </a:endParaRPr>
+          </a:p>
+        </p:txBody>
+      </p:sp>
       <p:pic>
         <p:nvPicPr>
-          <p:cNvPr id="3" name="그림 2"/>
+          <p:cNvPr id="2" name="그림 1"/>
           <p:cNvPicPr>
             <a:picLocks noChangeAspect="1"/>
           </p:cNvPicPr>
@@ -15070,224 +15325,18 @@
         </p:blipFill>
         <p:spPr>
           <a:xfrm>
-            <a:off x="5190143" y="2268122"/>
-            <a:ext cx="3333750" cy="3181350"/>
+            <a:off x="3917245" y="1986843"/>
+            <a:ext cx="4960463" cy="3636955"/>
           </a:xfrm>
           <a:prstGeom prst="rect">
             <a:avLst/>
           </a:prstGeom>
         </p:spPr>
       </p:pic>
-      <p:sp>
-        <p:nvSpPr>
-          <p:cNvPr id="11" name="TextBox 10"/>
-          <p:cNvSpPr txBox="1"/>
-          <p:nvPr/>
-        </p:nvSpPr>
-        <p:spPr>
-          <a:xfrm>
-            <a:off x="401391" y="2897613"/>
-            <a:ext cx="4321047" cy="2308324"/>
-          </a:xfrm>
-          <a:prstGeom prst="rect">
-            <a:avLst/>
-          </a:prstGeom>
-          <a:noFill/>
-        </p:spPr>
-        <p:txBody>
-          <a:bodyPr wrap="square" rtlCol="0">
-            <a:spAutoFit/>
-          </a:bodyPr>
-          <a:lstStyle/>
-          <a:p>
-            <a:r>
-              <a:rPr lang="ko-KR" altLang="en-US" sz="1600" dirty="0" smtClean="0">
-                <a:solidFill>
-                  <a:schemeClr val="bg1">
-                    <a:lumMod val="95000"/>
-                  </a:schemeClr>
-                </a:solidFill>
-                <a:latin typeface="돋움" panose="020B0600000101010101" pitchFamily="50" charset="-127"/>
-                <a:ea typeface="돋움" panose="020B0600000101010101" pitchFamily="50" charset="-127"/>
-              </a:rPr>
-              <a:t>계산기 구현</a:t>
-            </a:r>
-            <a:endParaRPr lang="en-US" altLang="ko-KR" sz="1600" dirty="0" smtClean="0">
-              <a:solidFill>
-                <a:schemeClr val="bg1">
-                  <a:lumMod val="95000"/>
-                </a:schemeClr>
-              </a:solidFill>
-              <a:latin typeface="돋움" panose="020B0600000101010101" pitchFamily="50" charset="-127"/>
-              <a:ea typeface="돋움" panose="020B0600000101010101" pitchFamily="50" charset="-127"/>
-            </a:endParaRPr>
-          </a:p>
-          <a:p>
-            <a:endParaRPr lang="en-US" altLang="ko-KR" sz="1600" dirty="0">
-              <a:solidFill>
-                <a:schemeClr val="bg1">
-                  <a:lumMod val="95000"/>
-                </a:schemeClr>
-              </a:solidFill>
-              <a:latin typeface="돋움" panose="020B0600000101010101" pitchFamily="50" charset="-127"/>
-              <a:ea typeface="돋움" panose="020B0600000101010101" pitchFamily="50" charset="-127"/>
-            </a:endParaRPr>
-          </a:p>
-          <a:p>
-            <a:r>
-              <a:rPr lang="ko-KR" altLang="en-US" sz="1600" dirty="0" smtClean="0">
-                <a:solidFill>
-                  <a:schemeClr val="bg1">
-                    <a:lumMod val="95000"/>
-                  </a:schemeClr>
-                </a:solidFill>
-                <a:latin typeface="돋움" panose="020B0600000101010101" pitchFamily="50" charset="-127"/>
-                <a:ea typeface="돋움" panose="020B0600000101010101" pitchFamily="50" charset="-127"/>
-              </a:rPr>
-              <a:t>몇몇 </a:t>
-            </a:r>
-            <a:r>
-              <a:rPr lang="ko-KR" altLang="en-US" sz="1600" dirty="0" err="1" smtClean="0">
-                <a:solidFill>
-                  <a:schemeClr val="bg1">
-                    <a:lumMod val="95000"/>
-                  </a:schemeClr>
-                </a:solidFill>
-                <a:latin typeface="돋움" panose="020B0600000101010101" pitchFamily="50" charset="-127"/>
-                <a:ea typeface="돋움" panose="020B0600000101010101" pitchFamily="50" charset="-127"/>
-              </a:rPr>
-              <a:t>버튼기능은</a:t>
-            </a:r>
-            <a:r>
-              <a:rPr lang="ko-KR" altLang="en-US" sz="1600" dirty="0" smtClean="0">
-                <a:solidFill>
-                  <a:schemeClr val="bg1">
-                    <a:lumMod val="95000"/>
-                  </a:schemeClr>
-                </a:solidFill>
-                <a:latin typeface="돋움" panose="020B0600000101010101" pitchFamily="50" charset="-127"/>
-                <a:ea typeface="돋움" panose="020B0600000101010101" pitchFamily="50" charset="-127"/>
-              </a:rPr>
-              <a:t> 미구현상태이나</a:t>
-            </a:r>
-            <a:endParaRPr lang="en-US" altLang="ko-KR" sz="1600" dirty="0" smtClean="0">
-              <a:solidFill>
-                <a:schemeClr val="bg1">
-                  <a:lumMod val="95000"/>
-                </a:schemeClr>
-              </a:solidFill>
-              <a:latin typeface="돋움" panose="020B0600000101010101" pitchFamily="50" charset="-127"/>
-              <a:ea typeface="돋움" panose="020B0600000101010101" pitchFamily="50" charset="-127"/>
-            </a:endParaRPr>
-          </a:p>
-          <a:p>
-            <a:endParaRPr lang="en-US" altLang="ko-KR" sz="1600" dirty="0">
-              <a:solidFill>
-                <a:schemeClr val="bg1">
-                  <a:lumMod val="95000"/>
-                </a:schemeClr>
-              </a:solidFill>
-              <a:latin typeface="돋움" panose="020B0600000101010101" pitchFamily="50" charset="-127"/>
-              <a:ea typeface="돋움" panose="020B0600000101010101" pitchFamily="50" charset="-127"/>
-            </a:endParaRPr>
-          </a:p>
-          <a:p>
-            <a:r>
-              <a:rPr lang="ko-KR" altLang="en-US" sz="1600" dirty="0" smtClean="0">
-                <a:solidFill>
-                  <a:schemeClr val="bg1">
-                    <a:lumMod val="95000"/>
-                  </a:schemeClr>
-                </a:solidFill>
-                <a:latin typeface="돋움" panose="020B0600000101010101" pitchFamily="50" charset="-127"/>
-                <a:ea typeface="돋움" panose="020B0600000101010101" pitchFamily="50" charset="-127"/>
-              </a:rPr>
-              <a:t>간단한 덧셈 정도는 구현하였음</a:t>
-            </a:r>
-            <a:endParaRPr lang="en-US" altLang="ko-KR" sz="1600" dirty="0" smtClean="0">
-              <a:solidFill>
-                <a:schemeClr val="bg1">
-                  <a:lumMod val="95000"/>
-                </a:schemeClr>
-              </a:solidFill>
-              <a:latin typeface="돋움" panose="020B0600000101010101" pitchFamily="50" charset="-127"/>
-              <a:ea typeface="돋움" panose="020B0600000101010101" pitchFamily="50" charset="-127"/>
-            </a:endParaRPr>
-          </a:p>
-          <a:p>
-            <a:endParaRPr lang="en-US" altLang="ko-KR" sz="1600" dirty="0">
-              <a:solidFill>
-                <a:schemeClr val="bg1">
-                  <a:lumMod val="95000"/>
-                </a:schemeClr>
-              </a:solidFill>
-              <a:latin typeface="돋움" panose="020B0600000101010101" pitchFamily="50" charset="-127"/>
-              <a:ea typeface="돋움" panose="020B0600000101010101" pitchFamily="50" charset="-127"/>
-            </a:endParaRPr>
-          </a:p>
-          <a:p>
-            <a:r>
-              <a:rPr lang="en-US" altLang="ko-KR" sz="1600" dirty="0" smtClean="0">
-                <a:solidFill>
-                  <a:schemeClr val="bg1">
-                    <a:lumMod val="95000"/>
-                  </a:schemeClr>
-                </a:solidFill>
-                <a:latin typeface="돋움" panose="020B0600000101010101" pitchFamily="50" charset="-127"/>
-                <a:ea typeface="돋움" panose="020B0600000101010101" pitchFamily="50" charset="-127"/>
-              </a:rPr>
-              <a:t>Switch</a:t>
-            </a:r>
-            <a:r>
-              <a:rPr lang="ko-KR" altLang="en-US" sz="1600" dirty="0" smtClean="0">
-                <a:solidFill>
-                  <a:schemeClr val="bg1">
-                    <a:lumMod val="95000"/>
-                  </a:schemeClr>
-                </a:solidFill>
-                <a:latin typeface="돋움" panose="020B0600000101010101" pitchFamily="50" charset="-127"/>
-                <a:ea typeface="돋움" panose="020B0600000101010101" pitchFamily="50" charset="-127"/>
-              </a:rPr>
-              <a:t>문을 사용해서 제작함</a:t>
-            </a:r>
-            <a:endParaRPr lang="en-US" altLang="ko-KR" sz="1600" dirty="0">
-              <a:solidFill>
-                <a:schemeClr val="bg1">
-                  <a:lumMod val="95000"/>
-                </a:schemeClr>
-              </a:solidFill>
-              <a:latin typeface="돋움" panose="020B0600000101010101" pitchFamily="50" charset="-127"/>
-              <a:ea typeface="돋움" panose="020B0600000101010101" pitchFamily="50" charset="-127"/>
-            </a:endParaRPr>
-          </a:p>
-          <a:p>
-            <a:endParaRPr lang="en-US" altLang="ko-KR" sz="1600" dirty="0" smtClean="0">
-              <a:solidFill>
-                <a:schemeClr val="bg1">
-                  <a:lumMod val="95000"/>
-                </a:schemeClr>
-              </a:solidFill>
-              <a:latin typeface="돋움" panose="020B0600000101010101" pitchFamily="50" charset="-127"/>
-              <a:ea typeface="돋움" panose="020B0600000101010101" pitchFamily="50" charset="-127"/>
-            </a:endParaRPr>
-          </a:p>
-          <a:p>
-            <a:endParaRPr lang="en-US" altLang="ko-KR" sz="1600" dirty="0" smtClean="0">
-              <a:solidFill>
-                <a:schemeClr val="bg1">
-                  <a:lumMod val="95000"/>
-                </a:schemeClr>
-              </a:solidFill>
-              <a:latin typeface="돋움" panose="020B0600000101010101" pitchFamily="50" charset="-127"/>
-              <a:ea typeface="돋움" panose="020B0600000101010101" pitchFamily="50" charset="-127"/>
-            </a:endParaRPr>
-          </a:p>
-        </p:txBody>
-      </p:sp>
     </p:spTree>
     <p:extLst>
       <p:ext uri="{BB962C8B-B14F-4D97-AF65-F5344CB8AC3E}">
-        <p14:creationId xmlns:p14="http://schemas.microsoft.com/office/powerpoint/2010/main" val="1000639333"/>
+        <p14:creationId xmlns:p14="http://schemas.microsoft.com/office/powerpoint/2010/main" val="1951891458"/>
       </p:ext>
     </p:extLst>
   </p:cSld>
@@ -15923,796 +15972,6 @@
           </a:p>
         </p:txBody>
       </p:sp>
-      <p:pic>
-        <p:nvPicPr>
-          <p:cNvPr id="3" name="그림 2"/>
-          <p:cNvPicPr>
-            <a:picLocks noChangeAspect="1"/>
-          </p:cNvPicPr>
-          <p:nvPr/>
-        </p:nvPicPr>
-        <p:blipFill>
-          <a:blip r:embed="rId2">
-            <a:extLst>
-              <a:ext uri="{28A0092B-C50C-407E-A947-70E740481C1C}">
-                <a14:useLocalDpi xmlns:a14="http://schemas.microsoft.com/office/drawing/2010/main" val="0"/>
-              </a:ext>
-            </a:extLst>
-          </a:blip>
-          <a:stretch>
-            <a:fillRect/>
-          </a:stretch>
-        </p:blipFill>
-        <p:spPr>
-          <a:xfrm>
-            <a:off x="5190143" y="2268122"/>
-            <a:ext cx="3333750" cy="3181350"/>
-          </a:xfrm>
-          <a:prstGeom prst="rect">
-            <a:avLst/>
-          </a:prstGeom>
-        </p:spPr>
-      </p:pic>
-      <p:sp>
-        <p:nvSpPr>
-          <p:cNvPr id="11" name="TextBox 10"/>
-          <p:cNvSpPr txBox="1"/>
-          <p:nvPr/>
-        </p:nvSpPr>
-        <p:spPr>
-          <a:xfrm>
-            <a:off x="401391" y="2897613"/>
-            <a:ext cx="4321047" cy="2308324"/>
-          </a:xfrm>
-          <a:prstGeom prst="rect">
-            <a:avLst/>
-          </a:prstGeom>
-          <a:noFill/>
-        </p:spPr>
-        <p:txBody>
-          <a:bodyPr wrap="square" rtlCol="0">
-            <a:spAutoFit/>
-          </a:bodyPr>
-          <a:lstStyle/>
-          <a:p>
-            <a:r>
-              <a:rPr lang="ko-KR" altLang="en-US" sz="1600" dirty="0" smtClean="0">
-                <a:solidFill>
-                  <a:schemeClr val="bg1">
-                    <a:lumMod val="95000"/>
-                  </a:schemeClr>
-                </a:solidFill>
-                <a:latin typeface="돋움" panose="020B0600000101010101" pitchFamily="50" charset="-127"/>
-                <a:ea typeface="돋움" panose="020B0600000101010101" pitchFamily="50" charset="-127"/>
-              </a:rPr>
-              <a:t>계산기 구현</a:t>
-            </a:r>
-            <a:endParaRPr lang="en-US" altLang="ko-KR" sz="1600" dirty="0" smtClean="0">
-              <a:solidFill>
-                <a:schemeClr val="bg1">
-                  <a:lumMod val="95000"/>
-                </a:schemeClr>
-              </a:solidFill>
-              <a:latin typeface="돋움" panose="020B0600000101010101" pitchFamily="50" charset="-127"/>
-              <a:ea typeface="돋움" panose="020B0600000101010101" pitchFamily="50" charset="-127"/>
-            </a:endParaRPr>
-          </a:p>
-          <a:p>
-            <a:endParaRPr lang="en-US" altLang="ko-KR" sz="1600" dirty="0">
-              <a:solidFill>
-                <a:schemeClr val="bg1">
-                  <a:lumMod val="95000"/>
-                </a:schemeClr>
-              </a:solidFill>
-              <a:latin typeface="돋움" panose="020B0600000101010101" pitchFamily="50" charset="-127"/>
-              <a:ea typeface="돋움" panose="020B0600000101010101" pitchFamily="50" charset="-127"/>
-            </a:endParaRPr>
-          </a:p>
-          <a:p>
-            <a:r>
-              <a:rPr lang="ko-KR" altLang="en-US" sz="1600" dirty="0" smtClean="0">
-                <a:solidFill>
-                  <a:schemeClr val="bg1">
-                    <a:lumMod val="95000"/>
-                  </a:schemeClr>
-                </a:solidFill>
-                <a:latin typeface="돋움" panose="020B0600000101010101" pitchFamily="50" charset="-127"/>
-                <a:ea typeface="돋움" panose="020B0600000101010101" pitchFamily="50" charset="-127"/>
-              </a:rPr>
-              <a:t>몇몇 버튼 기능은 </a:t>
-            </a:r>
-            <a:r>
-              <a:rPr lang="ko-KR" altLang="en-US" sz="1600" dirty="0" err="1" smtClean="0">
-                <a:solidFill>
-                  <a:schemeClr val="bg1">
-                    <a:lumMod val="95000"/>
-                  </a:schemeClr>
-                </a:solidFill>
-                <a:latin typeface="돋움" panose="020B0600000101010101" pitchFamily="50" charset="-127"/>
-                <a:ea typeface="돋움" panose="020B0600000101010101" pitchFamily="50" charset="-127"/>
-              </a:rPr>
-              <a:t>미구현</a:t>
-            </a:r>
-            <a:r>
-              <a:rPr lang="ko-KR" altLang="en-US" sz="1600" dirty="0" smtClean="0">
-                <a:solidFill>
-                  <a:schemeClr val="bg1">
-                    <a:lumMod val="95000"/>
-                  </a:schemeClr>
-                </a:solidFill>
-                <a:latin typeface="돋움" panose="020B0600000101010101" pitchFamily="50" charset="-127"/>
-                <a:ea typeface="돋움" panose="020B0600000101010101" pitchFamily="50" charset="-127"/>
-              </a:rPr>
-              <a:t> 상태이나</a:t>
-            </a:r>
-            <a:endParaRPr lang="en-US" altLang="ko-KR" sz="1600" dirty="0" smtClean="0">
-              <a:solidFill>
-                <a:schemeClr val="bg1">
-                  <a:lumMod val="95000"/>
-                </a:schemeClr>
-              </a:solidFill>
-              <a:latin typeface="돋움" panose="020B0600000101010101" pitchFamily="50" charset="-127"/>
-              <a:ea typeface="돋움" panose="020B0600000101010101" pitchFamily="50" charset="-127"/>
-            </a:endParaRPr>
-          </a:p>
-          <a:p>
-            <a:endParaRPr lang="en-US" altLang="ko-KR" sz="1600" dirty="0">
-              <a:solidFill>
-                <a:schemeClr val="bg1">
-                  <a:lumMod val="95000"/>
-                </a:schemeClr>
-              </a:solidFill>
-              <a:latin typeface="돋움" panose="020B0600000101010101" pitchFamily="50" charset="-127"/>
-              <a:ea typeface="돋움" panose="020B0600000101010101" pitchFamily="50" charset="-127"/>
-            </a:endParaRPr>
-          </a:p>
-          <a:p>
-            <a:r>
-              <a:rPr lang="ko-KR" altLang="en-US" sz="1600" dirty="0" smtClean="0">
-                <a:solidFill>
-                  <a:schemeClr val="bg1">
-                    <a:lumMod val="95000"/>
-                  </a:schemeClr>
-                </a:solidFill>
-                <a:latin typeface="돋움" panose="020B0600000101010101" pitchFamily="50" charset="-127"/>
-                <a:ea typeface="돋움" panose="020B0600000101010101" pitchFamily="50" charset="-127"/>
-              </a:rPr>
-              <a:t>간단한 덧셈 정도는 구현하였음</a:t>
-            </a:r>
-            <a:endParaRPr lang="en-US" altLang="ko-KR" sz="1600" dirty="0" smtClean="0">
-              <a:solidFill>
-                <a:schemeClr val="bg1">
-                  <a:lumMod val="95000"/>
-                </a:schemeClr>
-              </a:solidFill>
-              <a:latin typeface="돋움" panose="020B0600000101010101" pitchFamily="50" charset="-127"/>
-              <a:ea typeface="돋움" panose="020B0600000101010101" pitchFamily="50" charset="-127"/>
-            </a:endParaRPr>
-          </a:p>
-          <a:p>
-            <a:endParaRPr lang="en-US" altLang="ko-KR" sz="1600" dirty="0">
-              <a:solidFill>
-                <a:schemeClr val="bg1">
-                  <a:lumMod val="95000"/>
-                </a:schemeClr>
-              </a:solidFill>
-              <a:latin typeface="돋움" panose="020B0600000101010101" pitchFamily="50" charset="-127"/>
-              <a:ea typeface="돋움" panose="020B0600000101010101" pitchFamily="50" charset="-127"/>
-            </a:endParaRPr>
-          </a:p>
-          <a:p>
-            <a:r>
-              <a:rPr lang="en-US" altLang="ko-KR" sz="1600" dirty="0" smtClean="0">
-                <a:solidFill>
-                  <a:schemeClr val="bg1">
-                    <a:lumMod val="95000"/>
-                  </a:schemeClr>
-                </a:solidFill>
-                <a:latin typeface="돋움" panose="020B0600000101010101" pitchFamily="50" charset="-127"/>
-                <a:ea typeface="돋움" panose="020B0600000101010101" pitchFamily="50" charset="-127"/>
-              </a:rPr>
-              <a:t>Switch</a:t>
-            </a:r>
-            <a:r>
-              <a:rPr lang="ko-KR" altLang="en-US" sz="1600" dirty="0" smtClean="0">
-                <a:solidFill>
-                  <a:schemeClr val="bg1">
-                    <a:lumMod val="95000"/>
-                  </a:schemeClr>
-                </a:solidFill>
-                <a:latin typeface="돋움" panose="020B0600000101010101" pitchFamily="50" charset="-127"/>
-                <a:ea typeface="돋움" panose="020B0600000101010101" pitchFamily="50" charset="-127"/>
-              </a:rPr>
-              <a:t>문을 사용해서 제작함</a:t>
-            </a:r>
-            <a:endParaRPr lang="en-US" altLang="ko-KR" sz="1600" dirty="0">
-              <a:solidFill>
-                <a:schemeClr val="bg1">
-                  <a:lumMod val="95000"/>
-                </a:schemeClr>
-              </a:solidFill>
-              <a:latin typeface="돋움" panose="020B0600000101010101" pitchFamily="50" charset="-127"/>
-              <a:ea typeface="돋움" panose="020B0600000101010101" pitchFamily="50" charset="-127"/>
-            </a:endParaRPr>
-          </a:p>
-          <a:p>
-            <a:endParaRPr lang="en-US" altLang="ko-KR" sz="1600" dirty="0" smtClean="0">
-              <a:solidFill>
-                <a:schemeClr val="bg1">
-                  <a:lumMod val="95000"/>
-                </a:schemeClr>
-              </a:solidFill>
-              <a:latin typeface="돋움" panose="020B0600000101010101" pitchFamily="50" charset="-127"/>
-              <a:ea typeface="돋움" panose="020B0600000101010101" pitchFamily="50" charset="-127"/>
-            </a:endParaRPr>
-          </a:p>
-          <a:p>
-            <a:endParaRPr lang="en-US" altLang="ko-KR" sz="1600" dirty="0" smtClean="0">
-              <a:solidFill>
-                <a:schemeClr val="bg1">
-                  <a:lumMod val="95000"/>
-                </a:schemeClr>
-              </a:solidFill>
-              <a:latin typeface="돋움" panose="020B0600000101010101" pitchFamily="50" charset="-127"/>
-              <a:ea typeface="돋움" panose="020B0600000101010101" pitchFamily="50" charset="-127"/>
-            </a:endParaRPr>
-          </a:p>
-        </p:txBody>
-      </p:sp>
-    </p:spTree>
-    <p:extLst>
-      <p:ext uri="{BB962C8B-B14F-4D97-AF65-F5344CB8AC3E}">
-        <p14:creationId xmlns:p14="http://schemas.microsoft.com/office/powerpoint/2010/main" val="3467106297"/>
-      </p:ext>
-    </p:extLst>
-  </p:cSld>
-  <p:clrMapOvr>
-    <a:masterClrMapping/>
-  </p:clrMapOvr>
-  <p:timing>
-    <p:tnLst>
-      <p:par>
-        <p:cTn id="1" dur="indefinite" restart="never" nodeType="tmRoot"/>
-      </p:par>
-    </p:tnLst>
-  </p:timing>
-</p:sld>
-</file>
-
-<file path=ppt/slides/slide21.xml><?xml version="1.0" encoding="utf-8"?>
-<p:sld xmlns:a="http://schemas.openxmlformats.org/drawingml/2006/main" xmlns:r="http://schemas.openxmlformats.org/officeDocument/2006/relationships" xmlns:p="http://schemas.openxmlformats.org/presentationml/2006/main">
-  <p:cSld>
-    <p:spTree>
-      <p:nvGrpSpPr>
-        <p:cNvPr id="1" name=""/>
-        <p:cNvGrpSpPr/>
-        <p:nvPr/>
-      </p:nvGrpSpPr>
-      <p:grpSpPr>
-        <a:xfrm>
-          <a:off x="0" y="0"/>
-          <a:ext cx="0" cy="0"/>
-          <a:chOff x="0" y="0"/>
-          <a:chExt cx="0" cy="0"/>
-        </a:xfrm>
-      </p:grpSpPr>
-      <p:sp>
-        <p:nvSpPr>
-          <p:cNvPr id="8" name="텍스트 개체 틀 7">
-            <a:extLst>
-              <a:ext uri="{FF2B5EF4-FFF2-40B4-BE49-F238E27FC236}">
-                <a16:creationId xmlns:a16="http://schemas.microsoft.com/office/drawing/2014/main" id="{F941FAD0-2E99-4CAC-B16F-30C5DE050E43}"/>
-              </a:ext>
-            </a:extLst>
-          </p:cNvPr>
-          <p:cNvSpPr>
-            <a:spLocks noGrp="1"/>
-          </p:cNvSpPr>
-          <p:nvPr>
-            <p:ph type="body" sz="quarter" idx="15"/>
-          </p:nvPr>
-        </p:nvSpPr>
-        <p:spPr/>
-        <p:txBody>
-          <a:bodyPr/>
-          <a:lstStyle/>
-          <a:p>
-            <a:r>
-              <a:rPr lang="ko-KR" altLang="en-US" sz="2800" dirty="0" smtClean="0">
-                <a:latin typeface="돋움" panose="020B0600000101010101" pitchFamily="50" charset="-127"/>
-                <a:ea typeface="돋움" panose="020B0600000101010101" pitchFamily="50" charset="-127"/>
-              </a:rPr>
-              <a:t>페이지 소개</a:t>
-            </a:r>
-            <a:endParaRPr lang="en-US" sz="2800" dirty="0">
-              <a:latin typeface="돋움" panose="020B0600000101010101" pitchFamily="50" charset="-127"/>
-              <a:ea typeface="돋움" panose="020B0600000101010101" pitchFamily="50" charset="-127"/>
-            </a:endParaRPr>
-          </a:p>
-        </p:txBody>
-      </p:sp>
-      <p:sp>
-        <p:nvSpPr>
-          <p:cNvPr id="9" name="텍스트 개체 틀 8">
-            <a:extLst>
-              <a:ext uri="{FF2B5EF4-FFF2-40B4-BE49-F238E27FC236}">
-                <a16:creationId xmlns:a16="http://schemas.microsoft.com/office/drawing/2014/main" id="{A07C0B61-375E-4330-850F-740158BE3674}"/>
-              </a:ext>
-            </a:extLst>
-          </p:cNvPr>
-          <p:cNvSpPr>
-            <a:spLocks noGrp="1"/>
-          </p:cNvSpPr>
-          <p:nvPr>
-            <p:ph type="body" sz="quarter" idx="16"/>
-          </p:nvPr>
-        </p:nvSpPr>
-        <p:spPr>
-          <a:xfrm>
-            <a:off x="152399" y="1399822"/>
-            <a:ext cx="8839199" cy="4917951"/>
-          </a:xfrm>
-        </p:spPr>
-        <p:txBody>
-          <a:bodyPr/>
-          <a:lstStyle/>
-          <a:p>
-            <a:r>
-              <a:rPr lang="en-US" dirty="0"/>
-              <a:t> </a:t>
-            </a:r>
-          </a:p>
-        </p:txBody>
-      </p:sp>
-      <p:sp>
-        <p:nvSpPr>
-          <p:cNvPr id="7" name="텍스트 개체 틀 6">
-            <a:extLst>
-              <a:ext uri="{FF2B5EF4-FFF2-40B4-BE49-F238E27FC236}">
-                <a16:creationId xmlns:a16="http://schemas.microsoft.com/office/drawing/2014/main" id="{8E0EDBB3-D4FF-4E7B-A8D3-67AF82A4FCE9}"/>
-              </a:ext>
-            </a:extLst>
-          </p:cNvPr>
-          <p:cNvSpPr>
-            <a:spLocks noGrp="1"/>
-          </p:cNvSpPr>
-          <p:nvPr>
-            <p:ph type="body" sz="quarter" idx="17"/>
-          </p:nvPr>
-        </p:nvSpPr>
-        <p:spPr>
-          <a:xfrm>
-            <a:off x="684630" y="353669"/>
-            <a:ext cx="1856096" cy="226689"/>
-          </a:xfrm>
-        </p:spPr>
-        <p:txBody>
-          <a:bodyPr/>
-          <a:lstStyle/>
-          <a:p>
-            <a:pPr algn="ctr"/>
-            <a:r>
-              <a:rPr lang="en-US" dirty="0"/>
-              <a:t>WINDOWS </a:t>
-            </a:r>
-            <a:r>
-              <a:rPr lang="en-US" dirty="0" smtClean="0"/>
-              <a:t>1900</a:t>
-            </a:r>
-            <a:endParaRPr lang="en-US" dirty="0"/>
-          </a:p>
-        </p:txBody>
-      </p:sp>
-      <p:sp>
-        <p:nvSpPr>
-          <p:cNvPr id="11" name="TextBox 10"/>
-          <p:cNvSpPr txBox="1"/>
-          <p:nvPr/>
-        </p:nvSpPr>
-        <p:spPr>
-          <a:xfrm>
-            <a:off x="362222" y="2649257"/>
-            <a:ext cx="4321047" cy="2308324"/>
-          </a:xfrm>
-          <a:prstGeom prst="rect">
-            <a:avLst/>
-          </a:prstGeom>
-          <a:noFill/>
-        </p:spPr>
-        <p:txBody>
-          <a:bodyPr wrap="square" rtlCol="0">
-            <a:spAutoFit/>
-          </a:bodyPr>
-          <a:lstStyle/>
-          <a:p>
-            <a:r>
-              <a:rPr lang="ko-KR" altLang="en-US" sz="1600" dirty="0" smtClean="0">
-                <a:solidFill>
-                  <a:schemeClr val="bg1">
-                    <a:lumMod val="95000"/>
-                  </a:schemeClr>
-                </a:solidFill>
-                <a:latin typeface="돋움" panose="020B0600000101010101" pitchFamily="50" charset="-127"/>
-                <a:ea typeface="돋움" panose="020B0600000101010101" pitchFamily="50" charset="-127"/>
-              </a:rPr>
-              <a:t>실행  </a:t>
-            </a:r>
-            <a:r>
-              <a:rPr lang="en-US" altLang="ko-KR" sz="1600" dirty="0" err="1" smtClean="0">
-                <a:solidFill>
-                  <a:schemeClr val="bg1">
-                    <a:lumMod val="95000"/>
-                  </a:schemeClr>
-                </a:solidFill>
-                <a:latin typeface="돋움" panose="020B0600000101010101" pitchFamily="50" charset="-127"/>
-                <a:ea typeface="돋움" panose="020B0600000101010101" pitchFamily="50" charset="-127"/>
-              </a:rPr>
-              <a:t>cmd</a:t>
-            </a:r>
-            <a:r>
-              <a:rPr lang="en-US" altLang="ko-KR" sz="1600" dirty="0" smtClean="0">
-                <a:solidFill>
-                  <a:schemeClr val="bg1">
-                    <a:lumMod val="95000"/>
-                  </a:schemeClr>
-                </a:solidFill>
-                <a:latin typeface="돋움" panose="020B0600000101010101" pitchFamily="50" charset="-127"/>
-                <a:ea typeface="돋움" panose="020B0600000101010101" pitchFamily="50" charset="-127"/>
-              </a:rPr>
-              <a:t> </a:t>
-            </a:r>
-            <a:r>
-              <a:rPr lang="ko-KR" altLang="en-US" sz="1600" dirty="0" smtClean="0">
-                <a:solidFill>
-                  <a:schemeClr val="bg1">
-                    <a:lumMod val="95000"/>
-                  </a:schemeClr>
-                </a:solidFill>
-                <a:latin typeface="돋움" panose="020B0600000101010101" pitchFamily="50" charset="-127"/>
-                <a:ea typeface="돋움" panose="020B0600000101010101" pitchFamily="50" charset="-127"/>
-              </a:rPr>
-              <a:t>화면 구현</a:t>
-            </a:r>
-            <a:endParaRPr lang="en-US" altLang="ko-KR" sz="1600" dirty="0" smtClean="0">
-              <a:solidFill>
-                <a:schemeClr val="bg1">
-                  <a:lumMod val="95000"/>
-                </a:schemeClr>
-              </a:solidFill>
-              <a:latin typeface="돋움" panose="020B0600000101010101" pitchFamily="50" charset="-127"/>
-              <a:ea typeface="돋움" panose="020B0600000101010101" pitchFamily="50" charset="-127"/>
-            </a:endParaRPr>
-          </a:p>
-          <a:p>
-            <a:endParaRPr lang="en-US" altLang="ko-KR" sz="1600" dirty="0">
-              <a:solidFill>
-                <a:schemeClr val="bg1">
-                  <a:lumMod val="95000"/>
-                </a:schemeClr>
-              </a:solidFill>
-              <a:latin typeface="돋움" panose="020B0600000101010101" pitchFamily="50" charset="-127"/>
-              <a:ea typeface="돋움" panose="020B0600000101010101" pitchFamily="50" charset="-127"/>
-            </a:endParaRPr>
-          </a:p>
-          <a:p>
-            <a:r>
-              <a:rPr lang="ko-KR" altLang="en-US" sz="1600" dirty="0" smtClean="0">
-                <a:solidFill>
-                  <a:schemeClr val="bg1">
-                    <a:lumMod val="95000"/>
-                  </a:schemeClr>
-                </a:solidFill>
-                <a:latin typeface="돋움" panose="020B0600000101010101" pitchFamily="50" charset="-127"/>
-                <a:ea typeface="돋움" panose="020B0600000101010101" pitchFamily="50" charset="-127"/>
-              </a:rPr>
-              <a:t>간단한 명령어 사용가능</a:t>
-            </a:r>
-            <a:endParaRPr lang="en-US" altLang="ko-KR" sz="1600" dirty="0" smtClean="0">
-              <a:solidFill>
-                <a:schemeClr val="bg1">
-                  <a:lumMod val="95000"/>
-                </a:schemeClr>
-              </a:solidFill>
-              <a:latin typeface="돋움" panose="020B0600000101010101" pitchFamily="50" charset="-127"/>
-              <a:ea typeface="돋움" panose="020B0600000101010101" pitchFamily="50" charset="-127"/>
-            </a:endParaRPr>
-          </a:p>
-          <a:p>
-            <a:endParaRPr lang="en-US" altLang="ko-KR" sz="1600" dirty="0">
-              <a:solidFill>
-                <a:schemeClr val="bg1">
-                  <a:lumMod val="95000"/>
-                </a:schemeClr>
-              </a:solidFill>
-              <a:latin typeface="돋움" panose="020B0600000101010101" pitchFamily="50" charset="-127"/>
-              <a:ea typeface="돋움" panose="020B0600000101010101" pitchFamily="50" charset="-127"/>
-            </a:endParaRPr>
-          </a:p>
-          <a:p>
-            <a:r>
-              <a:rPr lang="en-US" altLang="ko-KR" sz="1600" dirty="0" smtClean="0">
-                <a:solidFill>
-                  <a:schemeClr val="bg1">
-                    <a:lumMod val="95000"/>
-                  </a:schemeClr>
-                </a:solidFill>
-                <a:latin typeface="돋움" panose="020B0600000101010101" pitchFamily="50" charset="-127"/>
-                <a:ea typeface="돋움" panose="020B0600000101010101" pitchFamily="50" charset="-127"/>
-              </a:rPr>
-              <a:t>Cd..  </a:t>
-            </a:r>
-            <a:r>
-              <a:rPr lang="en-US" altLang="ko-KR" sz="1600" dirty="0">
-                <a:solidFill>
-                  <a:schemeClr val="bg1">
-                    <a:lumMod val="95000"/>
-                  </a:schemeClr>
-                </a:solidFill>
-                <a:latin typeface="돋움" panose="020B0600000101010101" pitchFamily="50" charset="-127"/>
-                <a:ea typeface="돋움" panose="020B0600000101010101" pitchFamily="50" charset="-127"/>
-              </a:rPr>
-              <a:t> </a:t>
-            </a:r>
-            <a:r>
-              <a:rPr lang="en-US" altLang="ko-KR" sz="1600" dirty="0" smtClean="0">
-                <a:solidFill>
-                  <a:schemeClr val="bg1">
-                    <a:lumMod val="95000"/>
-                  </a:schemeClr>
-                </a:solidFill>
-                <a:latin typeface="돋움" panose="020B0600000101010101" pitchFamily="50" charset="-127"/>
-                <a:ea typeface="돋움" panose="020B0600000101010101" pitchFamily="50" charset="-127"/>
-              </a:rPr>
-              <a:t> Dir    cd html </a:t>
-            </a:r>
-          </a:p>
-          <a:p>
-            <a:endParaRPr lang="en-US" altLang="ko-KR" sz="1600" dirty="0">
-              <a:solidFill>
-                <a:schemeClr val="bg1">
-                  <a:lumMod val="95000"/>
-                </a:schemeClr>
-              </a:solidFill>
-              <a:latin typeface="돋움" panose="020B0600000101010101" pitchFamily="50" charset="-127"/>
-              <a:ea typeface="돋움" panose="020B0600000101010101" pitchFamily="50" charset="-127"/>
-            </a:endParaRPr>
-          </a:p>
-          <a:p>
-            <a:r>
-              <a:rPr lang="en-US" altLang="ko-KR" sz="1600" dirty="0" smtClean="0">
-                <a:solidFill>
-                  <a:schemeClr val="bg1">
-                    <a:lumMod val="95000"/>
-                  </a:schemeClr>
-                </a:solidFill>
-                <a:latin typeface="돋움" panose="020B0600000101010101" pitchFamily="50" charset="-127"/>
-                <a:ea typeface="돋움" panose="020B0600000101010101" pitchFamily="50" charset="-127"/>
-              </a:rPr>
-              <a:t>Cd html.exe </a:t>
-            </a:r>
-          </a:p>
-          <a:p>
-            <a:endParaRPr lang="en-US" altLang="ko-KR" sz="1600" dirty="0">
-              <a:solidFill>
-                <a:schemeClr val="bg1">
-                  <a:lumMod val="95000"/>
-                </a:schemeClr>
-              </a:solidFill>
-              <a:latin typeface="돋움" panose="020B0600000101010101" pitchFamily="50" charset="-127"/>
-              <a:ea typeface="돋움" panose="020B0600000101010101" pitchFamily="50" charset="-127"/>
-            </a:endParaRPr>
-          </a:p>
-          <a:p>
-            <a:r>
-              <a:rPr lang="en-US" altLang="ko-KR" sz="1600" dirty="0" smtClean="0">
-                <a:solidFill>
-                  <a:schemeClr val="bg1">
-                    <a:lumMod val="95000"/>
-                  </a:schemeClr>
-                </a:solidFill>
-                <a:latin typeface="돋움" panose="020B0600000101010101" pitchFamily="50" charset="-127"/>
-                <a:ea typeface="돋움" panose="020B0600000101010101" pitchFamily="50" charset="-127"/>
-              </a:rPr>
-              <a:t>Ipconfig </a:t>
-            </a:r>
-            <a:r>
-              <a:rPr lang="ko-KR" altLang="en-US" sz="1600" dirty="0" smtClean="0">
-                <a:solidFill>
-                  <a:schemeClr val="bg1">
-                    <a:lumMod val="95000"/>
-                  </a:schemeClr>
-                </a:solidFill>
-                <a:latin typeface="돋움" panose="020B0600000101010101" pitchFamily="50" charset="-127"/>
-                <a:ea typeface="돋움" panose="020B0600000101010101" pitchFamily="50" charset="-127"/>
-              </a:rPr>
-              <a:t>등등 입력이 가능함</a:t>
-            </a:r>
-            <a:endParaRPr lang="en-US" altLang="ko-KR" sz="1600" dirty="0" smtClean="0">
-              <a:solidFill>
-                <a:schemeClr val="bg1">
-                  <a:lumMod val="95000"/>
-                </a:schemeClr>
-              </a:solidFill>
-              <a:latin typeface="돋움" panose="020B0600000101010101" pitchFamily="50" charset="-127"/>
-              <a:ea typeface="돋움" panose="020B0600000101010101" pitchFamily="50" charset="-127"/>
-            </a:endParaRPr>
-          </a:p>
-        </p:txBody>
-      </p:sp>
-      <p:pic>
-        <p:nvPicPr>
-          <p:cNvPr id="2" name="그림 1"/>
-          <p:cNvPicPr>
-            <a:picLocks noChangeAspect="1"/>
-          </p:cNvPicPr>
-          <p:nvPr/>
-        </p:nvPicPr>
-        <p:blipFill>
-          <a:blip r:embed="rId2">
-            <a:extLst>
-              <a:ext uri="{28A0092B-C50C-407E-A947-70E740481C1C}">
-                <a14:useLocalDpi xmlns:a14="http://schemas.microsoft.com/office/drawing/2010/main" val="0"/>
-              </a:ext>
-            </a:extLst>
-          </a:blip>
-          <a:stretch>
-            <a:fillRect/>
-          </a:stretch>
-        </p:blipFill>
-        <p:spPr>
-          <a:xfrm>
-            <a:off x="3917245" y="1986843"/>
-            <a:ext cx="4960463" cy="3636955"/>
-          </a:xfrm>
-          <a:prstGeom prst="rect">
-            <a:avLst/>
-          </a:prstGeom>
-        </p:spPr>
-      </p:pic>
-    </p:spTree>
-    <p:extLst>
-      <p:ext uri="{BB962C8B-B14F-4D97-AF65-F5344CB8AC3E}">
-        <p14:creationId xmlns:p14="http://schemas.microsoft.com/office/powerpoint/2010/main" val="1951891458"/>
-      </p:ext>
-    </p:extLst>
-  </p:cSld>
-  <p:clrMapOvr>
-    <a:masterClrMapping/>
-  </p:clrMapOvr>
-  <p:timing>
-    <p:tnLst>
-      <p:par>
-        <p:cTn id="1" dur="indefinite" restart="never" nodeType="tmRoot"/>
-      </p:par>
-    </p:tnLst>
-  </p:timing>
-</p:sld>
-</file>
-
-<file path=ppt/slides/slide22.xml><?xml version="1.0" encoding="utf-8"?>
-<p:sld xmlns:a="http://schemas.openxmlformats.org/drawingml/2006/main" xmlns:r="http://schemas.openxmlformats.org/officeDocument/2006/relationships" xmlns:p="http://schemas.openxmlformats.org/presentationml/2006/main">
-  <p:cSld>
-    <p:spTree>
-      <p:nvGrpSpPr>
-        <p:cNvPr id="1" name=""/>
-        <p:cNvGrpSpPr/>
-        <p:nvPr/>
-      </p:nvGrpSpPr>
-      <p:grpSpPr>
-        <a:xfrm>
-          <a:off x="0" y="0"/>
-          <a:ext cx="0" cy="0"/>
-          <a:chOff x="0" y="0"/>
-          <a:chExt cx="0" cy="0"/>
-        </a:xfrm>
-      </p:grpSpPr>
-      <p:sp>
-        <p:nvSpPr>
-          <p:cNvPr id="8" name="텍스트 개체 틀 7">
-            <a:extLst>
-              <a:ext uri="{FF2B5EF4-FFF2-40B4-BE49-F238E27FC236}">
-                <a16:creationId xmlns:a16="http://schemas.microsoft.com/office/drawing/2014/main" id="{F941FAD0-2E99-4CAC-B16F-30C5DE050E43}"/>
-              </a:ext>
-            </a:extLst>
-          </p:cNvPr>
-          <p:cNvSpPr>
-            <a:spLocks noGrp="1"/>
-          </p:cNvSpPr>
-          <p:nvPr>
-            <p:ph type="body" sz="quarter" idx="15"/>
-          </p:nvPr>
-        </p:nvSpPr>
-        <p:spPr/>
-        <p:txBody>
-          <a:bodyPr/>
-          <a:lstStyle/>
-          <a:p>
-            <a:r>
-              <a:rPr lang="ko-KR" altLang="en-US" sz="2800" dirty="0" smtClean="0">
-                <a:latin typeface="돋움" panose="020B0600000101010101" pitchFamily="50" charset="-127"/>
-                <a:ea typeface="돋움" panose="020B0600000101010101" pitchFamily="50" charset="-127"/>
-              </a:rPr>
-              <a:t>페이지 소개</a:t>
-            </a:r>
-            <a:endParaRPr lang="en-US" sz="2800" dirty="0">
-              <a:latin typeface="돋움" panose="020B0600000101010101" pitchFamily="50" charset="-127"/>
-              <a:ea typeface="돋움" panose="020B0600000101010101" pitchFamily="50" charset="-127"/>
-            </a:endParaRPr>
-          </a:p>
-        </p:txBody>
-      </p:sp>
-      <p:sp>
-        <p:nvSpPr>
-          <p:cNvPr id="9" name="텍스트 개체 틀 8">
-            <a:extLst>
-              <a:ext uri="{FF2B5EF4-FFF2-40B4-BE49-F238E27FC236}">
-                <a16:creationId xmlns:a16="http://schemas.microsoft.com/office/drawing/2014/main" id="{A07C0B61-375E-4330-850F-740158BE3674}"/>
-              </a:ext>
-            </a:extLst>
-          </p:cNvPr>
-          <p:cNvSpPr>
-            <a:spLocks noGrp="1"/>
-          </p:cNvSpPr>
-          <p:nvPr>
-            <p:ph type="body" sz="quarter" idx="16"/>
-          </p:nvPr>
-        </p:nvSpPr>
-        <p:spPr>
-          <a:xfrm>
-            <a:off x="152399" y="1399822"/>
-            <a:ext cx="8839199" cy="4917951"/>
-          </a:xfrm>
-        </p:spPr>
-        <p:txBody>
-          <a:bodyPr/>
-          <a:lstStyle/>
-          <a:p>
-            <a:r>
-              <a:rPr lang="en-US" dirty="0"/>
-              <a:t> </a:t>
-            </a:r>
-          </a:p>
-        </p:txBody>
-      </p:sp>
-      <p:sp>
-        <p:nvSpPr>
-          <p:cNvPr id="7" name="텍스트 개체 틀 6">
-            <a:extLst>
-              <a:ext uri="{FF2B5EF4-FFF2-40B4-BE49-F238E27FC236}">
-                <a16:creationId xmlns:a16="http://schemas.microsoft.com/office/drawing/2014/main" id="{8E0EDBB3-D4FF-4E7B-A8D3-67AF82A4FCE9}"/>
-              </a:ext>
-            </a:extLst>
-          </p:cNvPr>
-          <p:cNvSpPr>
-            <a:spLocks noGrp="1"/>
-          </p:cNvSpPr>
-          <p:nvPr>
-            <p:ph type="body" sz="quarter" idx="17"/>
-          </p:nvPr>
-        </p:nvSpPr>
-        <p:spPr>
-          <a:xfrm>
-            <a:off x="684630" y="353669"/>
-            <a:ext cx="1856096" cy="226689"/>
-          </a:xfrm>
-        </p:spPr>
-        <p:txBody>
-          <a:bodyPr/>
-          <a:lstStyle/>
-          <a:p>
-            <a:pPr algn="ctr"/>
-            <a:r>
-              <a:rPr lang="en-US" dirty="0"/>
-              <a:t>WINDOWS </a:t>
-            </a:r>
-            <a:r>
-              <a:rPr lang="en-US" dirty="0" smtClean="0"/>
-              <a:t>1900</a:t>
-            </a:r>
-            <a:endParaRPr lang="en-US" dirty="0"/>
-          </a:p>
-        </p:txBody>
-      </p:sp>
       <p:sp>
         <p:nvSpPr>
           <p:cNvPr id="11" name="TextBox 10"/>
@@ -17021,7 +16280,7 @@
 </p:sld>
 </file>
 
-<file path=ppt/slides/slide23.xml><?xml version="1.0" encoding="utf-8"?>
+<file path=ppt/slides/slide21.xml><?xml version="1.0" encoding="utf-8"?>
 <p:sld xmlns:a="http://schemas.openxmlformats.org/drawingml/2006/main" xmlns:r="http://schemas.openxmlformats.org/officeDocument/2006/relationships" xmlns:p="http://schemas.openxmlformats.org/presentationml/2006/main">
   <p:cSld>
     <p:spTree>
@@ -17538,7 +16797,7 @@
 </p:sld>
 </file>
 
-<file path=ppt/slides/slide24.xml><?xml version="1.0" encoding="utf-8"?>
+<file path=ppt/slides/slide22.xml><?xml version="1.0" encoding="utf-8"?>
 <p:sld xmlns:a="http://schemas.openxmlformats.org/drawingml/2006/main" xmlns:r="http://schemas.openxmlformats.org/officeDocument/2006/relationships" xmlns:p="http://schemas.openxmlformats.org/presentationml/2006/main">
   <p:cSld>
     <p:spTree>
@@ -17902,7 +17161,7 @@
 </p:sld>
 </file>
 
-<file path=ppt/slides/slide25.xml><?xml version="1.0" encoding="utf-8"?>
+<file path=ppt/slides/slide23.xml><?xml version="1.0" encoding="utf-8"?>
 <p:sld xmlns:a="http://schemas.openxmlformats.org/drawingml/2006/main" xmlns:r="http://schemas.openxmlformats.org/officeDocument/2006/relationships" xmlns:p="http://schemas.openxmlformats.org/presentationml/2006/main">
   <p:cSld>
     <p:spTree>
